--- a/개발 환경.pptx
+++ b/개발 환경.pptx
@@ -5,7 +5,7 @@
     <p:sldMasterId id="2147483660" r:id="rId1"/>
   </p:sldMasterIdLst>
   <p:notesMasterIdLst>
-    <p:notesMasterId r:id="rId10"/>
+    <p:notesMasterId r:id="rId11"/>
   </p:notesMasterIdLst>
   <p:sldIdLst>
     <p:sldId id="259" r:id="rId2"/>
@@ -15,7 +15,8 @@
     <p:sldId id="264" r:id="rId6"/>
     <p:sldId id="267" r:id="rId7"/>
     <p:sldId id="268" r:id="rId8"/>
-    <p:sldId id="263" r:id="rId9"/>
+    <p:sldId id="269" r:id="rId9"/>
+    <p:sldId id="263" r:id="rId10"/>
   </p:sldIdLst>
   <p:sldSz cx="12192000" cy="6858000"/>
   <p:notesSz cx="6858000" cy="9144000"/>
@@ -552,8 +553,30 @@
               </a:rPr>
               <a:t>. </a:t>
             </a:r>
-            <a:r>
-              <a:rPr lang="ko-KR" altLang="en-US" sz="1200" b="0" i="0" kern="1200" dirty="0" smtClean="0">
+            <a:endParaRPr lang="en-US" altLang="ko-KR" sz="1200" b="0" i="0" kern="1200" dirty="0" smtClean="0">
+              <a:solidFill>
+                <a:schemeClr val="tx1"/>
+              </a:solidFill>
+              <a:effectLst/>
+              <a:latin typeface="+mn-lt"/>
+              <a:ea typeface="+mn-ea"/>
+              <a:cs typeface="+mn-cs"/>
+            </a:endParaRPr>
+          </a:p>
+          <a:p>
+            <a:endParaRPr lang="en-US" altLang="ko-KR" sz="1200" b="0" i="0" kern="1200" dirty="0" smtClean="0">
+              <a:solidFill>
+                <a:schemeClr val="tx1"/>
+              </a:solidFill>
+              <a:effectLst/>
+              <a:latin typeface="+mn-lt"/>
+              <a:ea typeface="+mn-ea"/>
+              <a:cs typeface="+mn-cs"/>
+            </a:endParaRPr>
+          </a:p>
+          <a:p>
+            <a:r>
+              <a:rPr lang="en-US" altLang="ko-KR" sz="1200" b="0" i="0" kern="1200" dirty="0" smtClean="0">
                 <a:solidFill>
                   <a:schemeClr val="tx1"/>
                 </a:solidFill>
@@ -562,10 +585,10 @@
                 <a:ea typeface="+mn-ea"/>
                 <a:cs typeface="+mn-cs"/>
               </a:rPr>
-              <a:t>컴퓨터 </a:t>
-            </a:r>
-            <a:r>
-              <a:rPr lang="ko-KR" altLang="en-US" sz="1200" b="0" i="0" kern="1200" dirty="0" err="1" smtClean="0">
+              <a:t>Segmentation</a:t>
+            </a:r>
+            <a:r>
+              <a:rPr lang="ko-KR" altLang="en-US" sz="1200" b="0" i="0" kern="1200" dirty="0" smtClean="0">
                 <a:solidFill>
                   <a:schemeClr val="tx1"/>
                 </a:solidFill>
@@ -574,10 +597,10 @@
                 <a:ea typeface="+mn-ea"/>
                 <a:cs typeface="+mn-cs"/>
               </a:rPr>
-              <a:t>비젼의</a:t>
-            </a:r>
-            <a:r>
-              <a:rPr lang="ko-KR" altLang="en-US" sz="1200" b="0" i="0" kern="1200" dirty="0" smtClean="0">
+              <a:t>을 먼저 설명하면</a:t>
+            </a:r>
+            <a:r>
+              <a:rPr lang="en-US" altLang="ko-KR" sz="1200" b="0" i="0" kern="1200" baseline="0" dirty="0" smtClean="0">
                 <a:solidFill>
                   <a:schemeClr val="tx1"/>
                 </a:solidFill>
@@ -586,7 +609,127 @@
                 <a:ea typeface="+mn-ea"/>
                 <a:cs typeface="+mn-cs"/>
               </a:rPr>
-              <a:t> 가장 많이 다뤄지는 문제들은 아래와 같은 것들이 있습니다</a:t>
+              <a:t> </a:t>
+            </a:r>
+            <a:r>
+              <a:rPr lang="en-US" altLang="ko-KR" sz="1200" b="0" i="0" kern="1200" dirty="0" smtClean="0">
+                <a:solidFill>
+                  <a:schemeClr val="tx1"/>
+                </a:solidFill>
+                <a:effectLst/>
+                <a:latin typeface="+mn-lt"/>
+                <a:ea typeface="+mn-ea"/>
+                <a:cs typeface="+mn-cs"/>
+              </a:rPr>
+              <a:t>Segmentation</a:t>
+            </a:r>
+            <a:r>
+              <a:rPr lang="ko-KR" altLang="en-US" sz="1200" b="0" i="0" kern="1200" dirty="0" smtClean="0">
+                <a:solidFill>
+                  <a:schemeClr val="tx1"/>
+                </a:solidFill>
+                <a:effectLst/>
+                <a:latin typeface="+mn-lt"/>
+                <a:ea typeface="+mn-ea"/>
+                <a:cs typeface="+mn-cs"/>
+              </a:rPr>
+              <a:t>이란</a:t>
+            </a:r>
+            <a:r>
+              <a:rPr lang="en-US" altLang="ko-KR" sz="1200" b="0" i="0" kern="1200" dirty="0" smtClean="0">
+                <a:solidFill>
+                  <a:schemeClr val="tx1"/>
+                </a:solidFill>
+                <a:effectLst/>
+                <a:latin typeface="+mn-lt"/>
+                <a:ea typeface="+mn-ea"/>
+                <a:cs typeface="+mn-cs"/>
+              </a:rPr>
+              <a:t>, Image</a:t>
+            </a:r>
+            <a:r>
+              <a:rPr lang="ko-KR" altLang="en-US" sz="1200" b="0" i="0" kern="1200" dirty="0" smtClean="0">
+                <a:solidFill>
+                  <a:schemeClr val="tx1"/>
+                </a:solidFill>
+                <a:effectLst/>
+                <a:latin typeface="+mn-lt"/>
+                <a:ea typeface="+mn-ea"/>
+                <a:cs typeface="+mn-cs"/>
+              </a:rPr>
+              <a:t>를 </a:t>
+            </a:r>
+            <a:r>
+              <a:rPr lang="en-US" altLang="ko-KR" sz="1200" b="0" i="0" kern="1200" dirty="0" smtClean="0">
+                <a:solidFill>
+                  <a:schemeClr val="tx1"/>
+                </a:solidFill>
+                <a:effectLst/>
+                <a:latin typeface="+mn-lt"/>
+                <a:ea typeface="+mn-ea"/>
+                <a:cs typeface="+mn-cs"/>
+              </a:rPr>
+              <a:t>Pixel</a:t>
+            </a:r>
+            <a:r>
+              <a:rPr lang="ko-KR" altLang="en-US" sz="1200" b="0" i="0" kern="1200" dirty="0" smtClean="0">
+                <a:solidFill>
+                  <a:schemeClr val="tx1"/>
+                </a:solidFill>
+                <a:effectLst/>
+                <a:latin typeface="+mn-lt"/>
+                <a:ea typeface="+mn-ea"/>
+                <a:cs typeface="+mn-cs"/>
+              </a:rPr>
+              <a:t>단위로 구분해 각 </a:t>
+            </a:r>
+            <a:r>
+              <a:rPr lang="en-US" altLang="ko-KR" sz="1200" b="0" i="0" kern="1200" dirty="0" smtClean="0">
+                <a:solidFill>
+                  <a:schemeClr val="tx1"/>
+                </a:solidFill>
+                <a:effectLst/>
+                <a:latin typeface="+mn-lt"/>
+                <a:ea typeface="+mn-ea"/>
+                <a:cs typeface="+mn-cs"/>
+              </a:rPr>
+              <a:t>pixel</a:t>
+            </a:r>
+            <a:r>
+              <a:rPr lang="ko-KR" altLang="en-US" sz="1200" b="0" i="0" kern="1200" dirty="0" smtClean="0">
+                <a:solidFill>
+                  <a:schemeClr val="tx1"/>
+                </a:solidFill>
+                <a:effectLst/>
+                <a:latin typeface="+mn-lt"/>
+                <a:ea typeface="+mn-ea"/>
+                <a:cs typeface="+mn-cs"/>
+              </a:rPr>
+              <a:t>이 어떤 물체 </a:t>
+            </a:r>
+            <a:r>
+              <a:rPr lang="en-US" altLang="ko-KR" sz="1200" b="0" i="0" kern="1200" dirty="0" smtClean="0">
+                <a:solidFill>
+                  <a:schemeClr val="tx1"/>
+                </a:solidFill>
+                <a:effectLst/>
+                <a:latin typeface="+mn-lt"/>
+                <a:ea typeface="+mn-ea"/>
+                <a:cs typeface="+mn-cs"/>
+              </a:rPr>
+              <a:t>class</a:t>
+            </a:r>
+            <a:r>
+              <a:rPr lang="ko-KR" altLang="en-US" sz="1200" b="0" i="0" kern="1200" dirty="0" smtClean="0">
+                <a:solidFill>
+                  <a:schemeClr val="tx1"/>
+                </a:solidFill>
+                <a:effectLst/>
+                <a:latin typeface="+mn-lt"/>
+                <a:ea typeface="+mn-ea"/>
+                <a:cs typeface="+mn-cs"/>
+              </a:rPr>
+              <a:t>인지 구분하는 문제다</a:t>
             </a:r>
             <a:r>
               <a:rPr lang="en-US" altLang="ko-KR" sz="1200" b="0" i="0" kern="1200" dirty="0" smtClean="0">
@@ -600,6 +743,17 @@
               </a:rPr>
               <a:t>.</a:t>
             </a:r>
+          </a:p>
+          <a:p>
+            <a:endParaRPr lang="en-US" altLang="ko-KR" sz="1200" b="0" i="0" kern="1200" dirty="0" smtClean="0">
+              <a:solidFill>
+                <a:schemeClr val="tx1"/>
+              </a:solidFill>
+              <a:effectLst/>
+              <a:latin typeface="+mn-lt"/>
+              <a:ea typeface="+mn-ea"/>
+              <a:cs typeface="+mn-cs"/>
+            </a:endParaRPr>
           </a:p>
           <a:p>
             <a:r>
@@ -1163,7 +1317,14 @@
           <a:lstStyle/>
           <a:p>
             <a:r>
-              <a:rPr lang="ko-KR" altLang="en-US" sz="1200" b="0" i="0" kern="1200" dirty="0" err="1" smtClean="0">
+              <a:rPr lang="ko-KR" altLang="en-US" dirty="0" smtClean="0"/>
+              <a:t/>
+            </a:r>
+            <a:br>
+              <a:rPr lang="ko-KR" altLang="en-US" dirty="0" smtClean="0"/>
+            </a:br>
+            <a:r>
+              <a:rPr lang="en-US" altLang="ko-KR" sz="1200" b="0" i="0" kern="1200" dirty="0" smtClean="0">
                 <a:solidFill>
                   <a:schemeClr val="tx1"/>
                 </a:solidFill>
@@ -1172,7 +1333,7 @@
                 <a:ea typeface="+mn-ea"/>
                 <a:cs typeface="+mn-cs"/>
               </a:rPr>
-              <a:t>주의해야하는</a:t>
+              <a:t>Semantic Image Segmentation</a:t>
             </a:r>
             <a:r>
               <a:rPr lang="ko-KR" altLang="en-US" sz="1200" b="0" i="0" kern="1200" dirty="0" smtClean="0">
@@ -1184,7 +1345,7 @@
                 <a:ea typeface="+mn-ea"/>
                 <a:cs typeface="+mn-cs"/>
               </a:rPr>
-              <a:t> 점은 </a:t>
+              <a:t>의 목적은 사진에 있는 모든 픽셀을 해당하는 </a:t>
             </a:r>
             <a:r>
               <a:rPr lang="en-US" altLang="ko-KR" sz="1200" b="0" i="0" kern="1200" dirty="0" smtClean="0">
@@ -1196,7 +1357,7 @@
                 <a:ea typeface="+mn-ea"/>
                 <a:cs typeface="+mn-cs"/>
               </a:rPr>
-              <a:t>semantic image segmentation </a:t>
+              <a:t>(</a:t>
             </a:r>
             <a:r>
               <a:rPr lang="ko-KR" altLang="en-US" sz="1200" b="0" i="0" kern="1200" dirty="0" smtClean="0">
@@ -1208,7 +1369,7 @@
                 <a:ea typeface="+mn-ea"/>
                 <a:cs typeface="+mn-cs"/>
               </a:rPr>
-              <a:t>은 같은 </a:t>
+              <a:t>미리 지정된 개수의</a:t>
             </a:r>
             <a:r>
               <a:rPr lang="en-US" altLang="ko-KR" sz="1200" b="0" i="0" kern="1200" dirty="0" smtClean="0">
@@ -1220,7 +1381,7 @@
                 <a:ea typeface="+mn-ea"/>
                 <a:cs typeface="+mn-cs"/>
               </a:rPr>
-              <a:t>class</a:t>
+              <a:t>) class</a:t>
             </a:r>
             <a:r>
               <a:rPr lang="ko-KR" altLang="en-US" sz="1200" b="0" i="0" kern="1200" dirty="0" smtClean="0">
@@ -1232,31 +1393,7 @@
                 <a:ea typeface="+mn-ea"/>
                 <a:cs typeface="+mn-cs"/>
               </a:rPr>
-              <a:t>의 </a:t>
-            </a:r>
-            <a:r>
-              <a:rPr lang="en-US" altLang="ko-KR" sz="1200" b="0" i="0" kern="1200" dirty="0" smtClean="0">
-                <a:solidFill>
-                  <a:schemeClr val="tx1"/>
-                </a:solidFill>
-                <a:effectLst/>
-                <a:latin typeface="+mn-lt"/>
-                <a:ea typeface="+mn-ea"/>
-                <a:cs typeface="+mn-cs"/>
-              </a:rPr>
-              <a:t>instance </a:t>
-            </a:r>
-            <a:r>
-              <a:rPr lang="ko-KR" altLang="en-US" sz="1200" b="0" i="0" kern="1200" dirty="0" smtClean="0">
-                <a:solidFill>
-                  <a:schemeClr val="tx1"/>
-                </a:solidFill>
-                <a:effectLst/>
-                <a:latin typeface="+mn-lt"/>
-                <a:ea typeface="+mn-ea"/>
-                <a:cs typeface="+mn-cs"/>
-              </a:rPr>
-              <a:t>를 구별하지 않는다는 것입니다</a:t>
+              <a:t>로 분류하는 것입니다</a:t>
             </a:r>
             <a:r>
               <a:rPr lang="en-US" altLang="ko-KR" sz="1200" b="0" i="0" kern="1200" dirty="0" smtClean="0">
@@ -1271,7 +1408,7 @@
               <a:t>. </a:t>
             </a:r>
             <a:r>
-              <a:rPr lang="ko-KR" altLang="en-US" sz="1200" b="0" i="0" kern="1200" dirty="0" err="1" smtClean="0">
+              <a:rPr lang="ko-KR" altLang="en-US" sz="1200" b="0" i="0" kern="1200" dirty="0" smtClean="0">
                 <a:solidFill>
                   <a:schemeClr val="tx1"/>
                 </a:solidFill>
@@ -1280,7 +1417,7 @@
                 <a:ea typeface="+mn-ea"/>
                 <a:cs typeface="+mn-cs"/>
               </a:rPr>
-              <a:t>쉽게말해서</a:t>
+              <a:t>이미지에 있는 모든 픽셀에 대한 예측을 하는 것이기 때문에 </a:t>
             </a:r>
             <a:r>
               <a:rPr lang="en-US" altLang="ko-KR" sz="1200" b="0" i="0" kern="1200" dirty="0" smtClean="0">
@@ -1292,7 +1429,7 @@
                 <a:ea typeface="+mn-ea"/>
                 <a:cs typeface="+mn-cs"/>
               </a:rPr>
-              <a:t>, </a:t>
+              <a:t>dense prediction </a:t>
             </a:r>
             <a:r>
               <a:rPr lang="ko-KR" altLang="en-US" sz="1200" b="0" i="0" kern="1200" dirty="0" smtClean="0">
@@ -1304,7 +1441,7 @@
                 <a:ea typeface="+mn-ea"/>
                 <a:cs typeface="+mn-cs"/>
               </a:rPr>
-              <a:t>밑에 가족사진처럼 같은 </a:t>
+              <a:t>이라고도 불립니다</a:t>
             </a:r>
             <a:r>
               <a:rPr lang="en-US" altLang="ko-KR" sz="1200" b="0" i="0" kern="1200" dirty="0" smtClean="0">
@@ -1316,92 +1453,10 @@
                 <a:ea typeface="+mn-ea"/>
                 <a:cs typeface="+mn-cs"/>
               </a:rPr>
-              <a:t>class </a:t>
-            </a:r>
-            <a:r>
-              <a:rPr lang="ko-KR" altLang="en-US" sz="1200" b="0" i="0" kern="1200" dirty="0" smtClean="0">
-                <a:solidFill>
-                  <a:schemeClr val="tx1"/>
-                </a:solidFill>
-                <a:effectLst/>
-                <a:latin typeface="+mn-lt"/>
-                <a:ea typeface="+mn-ea"/>
-                <a:cs typeface="+mn-cs"/>
-              </a:rPr>
-              <a:t>에 속하는 </a:t>
-            </a:r>
-            <a:r>
-              <a:rPr lang="en-US" altLang="ko-KR" sz="1200" b="0" i="0" kern="1200" dirty="0" smtClean="0">
-                <a:solidFill>
-                  <a:schemeClr val="tx1"/>
-                </a:solidFill>
-                <a:effectLst/>
-                <a:latin typeface="+mn-lt"/>
-                <a:ea typeface="+mn-ea"/>
-                <a:cs typeface="+mn-cs"/>
-              </a:rPr>
-              <a:t>object (</a:t>
-            </a:r>
-            <a:r>
-              <a:rPr lang="ko-KR" altLang="en-US" sz="1200" b="0" i="0" kern="1200" dirty="0" smtClean="0">
-                <a:solidFill>
-                  <a:schemeClr val="tx1"/>
-                </a:solidFill>
-                <a:effectLst/>
-                <a:latin typeface="+mn-lt"/>
-                <a:ea typeface="+mn-ea"/>
-                <a:cs typeface="+mn-cs"/>
-              </a:rPr>
-              <a:t>사람이 </a:t>
-            </a:r>
-            <a:r>
-              <a:rPr lang="en-US" altLang="ko-KR" sz="1200" b="0" i="0" kern="1200" dirty="0" smtClean="0">
-                <a:solidFill>
-                  <a:schemeClr val="tx1"/>
-                </a:solidFill>
-                <a:effectLst/>
-                <a:latin typeface="+mn-lt"/>
-                <a:ea typeface="+mn-ea"/>
-                <a:cs typeface="+mn-cs"/>
-              </a:rPr>
-              <a:t>4</a:t>
-            </a:r>
-            <a:r>
-              <a:rPr lang="ko-KR" altLang="en-US" sz="1200" b="0" i="0" kern="1200" dirty="0" smtClean="0">
-                <a:solidFill>
-                  <a:schemeClr val="tx1"/>
-                </a:solidFill>
-                <a:effectLst/>
-                <a:latin typeface="+mn-lt"/>
-                <a:ea typeface="+mn-ea"/>
-                <a:cs typeface="+mn-cs"/>
-              </a:rPr>
-              <a:t>명</a:t>
-            </a:r>
-            <a:r>
-              <a:rPr lang="en-US" altLang="ko-KR" sz="1200" b="0" i="0" kern="1200" dirty="0" smtClean="0">
-                <a:solidFill>
-                  <a:schemeClr val="tx1"/>
-                </a:solidFill>
-                <a:effectLst/>
-                <a:latin typeface="+mn-lt"/>
-                <a:ea typeface="+mn-ea"/>
-                <a:cs typeface="+mn-cs"/>
-              </a:rPr>
-              <a:t>)</a:t>
-            </a:r>
-            <a:r>
-              <a:rPr lang="ko-KR" altLang="en-US" sz="1200" b="0" i="0" kern="1200" dirty="0" smtClean="0">
-                <a:solidFill>
-                  <a:schemeClr val="tx1"/>
-                </a:solidFill>
-                <a:effectLst/>
-                <a:latin typeface="+mn-lt"/>
-                <a:ea typeface="+mn-ea"/>
-                <a:cs typeface="+mn-cs"/>
-              </a:rPr>
-              <a:t>가 있을 때</a:t>
-            </a:r>
+              <a:t>.</a:t>
+            </a:r>
+          </a:p>
+          <a:p>
             <a:endParaRPr lang="en-US" altLang="ko-KR" sz="1200" b="0" i="0" kern="1200" dirty="0" smtClean="0">
               <a:solidFill>
                 <a:schemeClr val="tx1"/>
@@ -1414,7 +1469,7 @@
           </a:p>
           <a:p>
             <a:r>
-              <a:rPr lang="ko-KR" altLang="en-US" sz="1200" b="0" i="0" kern="1200" dirty="0" smtClean="0">
+              <a:rPr lang="en-US" altLang="ko-KR" sz="1200" b="0" i="0" kern="1200" dirty="0" smtClean="0">
                 <a:solidFill>
                   <a:schemeClr val="tx1"/>
                 </a:solidFill>
@@ -1423,10 +1478,10 @@
                 <a:ea typeface="+mn-ea"/>
                 <a:cs typeface="+mn-cs"/>
               </a:rPr>
-              <a:t>사람을 따로 분류하지 않고</a:t>
-            </a:r>
-            <a:r>
-              <a:rPr lang="en-US" altLang="ko-KR" sz="1200" b="0" i="0" kern="1200" dirty="0" smtClean="0">
+              <a:t>instance </a:t>
+            </a:r>
+            <a:r>
+              <a:rPr lang="ko-KR" altLang="en-US" sz="1200" b="0" i="0" kern="1200" dirty="0" smtClean="0">
                 <a:solidFill>
                   <a:schemeClr val="tx1"/>
                 </a:solidFill>
@@ -1435,10 +1490,10 @@
                 <a:ea typeface="+mn-ea"/>
                 <a:cs typeface="+mn-cs"/>
               </a:rPr>
-              <a:t>, </a:t>
-            </a:r>
-            <a:r>
-              <a:rPr lang="ko-KR" altLang="en-US" sz="1200" b="0" i="0" kern="1200" dirty="0" smtClean="0">
+              <a:t>를 구별하는 모델은 따로 </a:t>
+            </a:r>
+            <a:r>
+              <a:rPr lang="en-US" altLang="ko-KR" sz="1200" b="0" i="0" kern="1200" dirty="0" smtClean="0">
                 <a:solidFill>
                   <a:schemeClr val="tx1"/>
                 </a:solidFill>
@@ -1447,10 +1502,10 @@
                 <a:ea typeface="+mn-ea"/>
                 <a:cs typeface="+mn-cs"/>
               </a:rPr>
-              <a:t>그 픽셀 자체가 어떤 </a:t>
-            </a:r>
-            <a:r>
-              <a:rPr lang="en-US" altLang="ko-KR" sz="1200" b="0" i="0" kern="1200" dirty="0" smtClean="0">
+              <a:t>instance segmentation </a:t>
+            </a:r>
+            <a:r>
+              <a:rPr lang="ko-KR" altLang="en-US" sz="1200" b="0" i="0" kern="1200" dirty="0" smtClean="0">
                 <a:solidFill>
                   <a:schemeClr val="tx1"/>
                 </a:solidFill>
@@ -1459,10 +1514,10 @@
                 <a:ea typeface="+mn-ea"/>
                 <a:cs typeface="+mn-cs"/>
               </a:rPr>
-              <a:t>class </a:t>
-            </a:r>
-            <a:r>
-              <a:rPr lang="ko-KR" altLang="en-US" sz="1200" b="0" i="0" kern="1200" dirty="0" smtClean="0">
+              <a:t>이라고 불립니다</a:t>
+            </a:r>
+            <a:r>
+              <a:rPr lang="en-US" altLang="ko-KR" sz="1200" b="0" i="0" kern="1200" dirty="0" smtClean="0">
                 <a:solidFill>
                   <a:schemeClr val="tx1"/>
                 </a:solidFill>
@@ -1471,39 +1526,8 @@
                 <a:ea typeface="+mn-ea"/>
                 <a:cs typeface="+mn-cs"/>
               </a:rPr>
-              <a:t>에 </a:t>
-            </a:r>
-            <a:r>
-              <a:rPr lang="ko-KR" altLang="en-US" sz="1200" b="0" i="0" kern="1200" dirty="0" err="1" smtClean="0">
-                <a:solidFill>
-                  <a:schemeClr val="tx1"/>
-                </a:solidFill>
-                <a:effectLst/>
-                <a:latin typeface="+mn-lt"/>
-                <a:ea typeface="+mn-ea"/>
-                <a:cs typeface="+mn-cs"/>
-              </a:rPr>
-              <a:t>속하는지에만</a:t>
-            </a:r>
-            <a:r>
-              <a:rPr lang="ko-KR" altLang="en-US" sz="1200" b="0" i="0" kern="1200" dirty="0" smtClean="0">
-                <a:solidFill>
-                  <a:schemeClr val="tx1"/>
-                </a:solidFill>
-                <a:effectLst/>
-                <a:latin typeface="+mn-lt"/>
-                <a:ea typeface="+mn-ea"/>
-                <a:cs typeface="+mn-cs"/>
-              </a:rPr>
-              <a:t> 관심이 있습니다</a:t>
-            </a:r>
-            <a:r>
-              <a:rPr lang="ko-KR" altLang="en-US" dirty="0" smtClean="0"/>
-              <a:t/>
-            </a:r>
-            <a:br>
-              <a:rPr lang="ko-KR" altLang="en-US" dirty="0" smtClean="0"/>
-            </a:br>
+              <a:t>.</a:t>
+            </a:r>
             <a:endParaRPr lang="ko-KR" altLang="en-US" dirty="0"/>
           </a:p>
         </p:txBody>
@@ -1545,6 +1569,542 @@
 </file>
 
 <file path=ppt/notesSlides/notesSlide3.xml><?xml version="1.0" encoding="utf-8"?>
+<p:notes xmlns:a="http://schemas.openxmlformats.org/drawingml/2006/main" xmlns:r="http://schemas.openxmlformats.org/officeDocument/2006/relationships" xmlns:p="http://schemas.openxmlformats.org/presentationml/2006/main">
+  <p:cSld>
+    <p:spTree>
+      <p:nvGrpSpPr>
+        <p:cNvPr id="1" name=""/>
+        <p:cNvGrpSpPr/>
+        <p:nvPr/>
+      </p:nvGrpSpPr>
+      <p:grpSpPr>
+        <a:xfrm>
+          <a:off x="0" y="0"/>
+          <a:ext cx="0" cy="0"/>
+          <a:chOff x="0" y="0"/>
+          <a:chExt cx="0" cy="0"/>
+        </a:xfrm>
+      </p:grpSpPr>
+      <p:sp>
+        <p:nvSpPr>
+          <p:cNvPr id="2" name="슬라이드 이미지 개체 틀 1"/>
+          <p:cNvSpPr>
+            <a:spLocks noGrp="1" noRot="1" noChangeAspect="1"/>
+          </p:cNvSpPr>
+          <p:nvPr>
+            <p:ph type="sldImg"/>
+          </p:nvPr>
+        </p:nvSpPr>
+        <p:spPr/>
+      </p:sp>
+      <p:sp>
+        <p:nvSpPr>
+          <p:cNvPr id="3" name="슬라이드 노트 개체 틀 2"/>
+          <p:cNvSpPr>
+            <a:spLocks noGrp="1"/>
+          </p:cNvSpPr>
+          <p:nvPr>
+            <p:ph type="body" idx="1"/>
+          </p:nvPr>
+        </p:nvSpPr>
+        <p:spPr/>
+        <p:txBody>
+          <a:bodyPr/>
+          <a:lstStyle/>
+          <a:p>
+            <a:r>
+              <a:rPr lang="ko-KR" altLang="en-US" dirty="0" err="1" smtClean="0"/>
+              <a:t>시멘틱</a:t>
+            </a:r>
+            <a:r>
+              <a:rPr lang="ko-KR" altLang="en-US" dirty="0" smtClean="0"/>
+              <a:t> 이미지 </a:t>
+            </a:r>
+            <a:r>
+              <a:rPr lang="ko-KR" altLang="en-US" dirty="0" err="1" smtClean="0"/>
+              <a:t>세그멘테이션을</a:t>
+            </a:r>
+            <a:r>
+              <a:rPr lang="ko-KR" altLang="en-US" dirty="0" smtClean="0"/>
+              <a:t> 위한 </a:t>
+            </a:r>
+            <a:r>
+              <a:rPr lang="ko-KR" altLang="ko-KR" dirty="0" smtClean="0"/>
+              <a:t>강력한 분리형 </a:t>
+            </a:r>
+            <a:r>
+              <a:rPr lang="ko-KR" altLang="ko-KR" dirty="0" err="1" smtClean="0"/>
+              <a:t>컨벌루션이</a:t>
+            </a:r>
+            <a:r>
+              <a:rPr lang="en-US" altLang="ko-KR" dirty="0" smtClean="0"/>
+              <a:t> </a:t>
+            </a:r>
+            <a:r>
+              <a:rPr lang="ko-KR" altLang="ko-KR" dirty="0" smtClean="0"/>
+              <a:t>있는 인코더 </a:t>
+            </a:r>
+            <a:r>
+              <a:rPr lang="ko-KR" altLang="ko-KR" dirty="0" err="1" smtClean="0"/>
+              <a:t>디코더</a:t>
+            </a:r>
+            <a:endParaRPr lang="en-US" altLang="ko-KR" dirty="0" smtClean="0"/>
+          </a:p>
+          <a:p>
+            <a:endParaRPr lang="en-US" altLang="ko-KR" dirty="0" smtClean="0"/>
+          </a:p>
+          <a:p>
+            <a:r>
+              <a:rPr lang="en-US" altLang="ko-KR" sz="1200" b="0" i="0" kern="1200" dirty="0" err="1" smtClean="0">
+                <a:solidFill>
+                  <a:schemeClr val="tx1"/>
+                </a:solidFill>
+                <a:effectLst/>
+                <a:latin typeface="+mn-lt"/>
+                <a:ea typeface="+mn-ea"/>
+                <a:cs typeface="+mn-cs"/>
+              </a:rPr>
+              <a:t>DeepLab</a:t>
+            </a:r>
+            <a:r>
+              <a:rPr lang="ko-KR" altLang="en-US" sz="1200" b="0" i="0" kern="1200" dirty="0" smtClean="0">
+                <a:solidFill>
+                  <a:schemeClr val="tx1"/>
+                </a:solidFill>
+                <a:effectLst/>
+                <a:latin typeface="+mn-lt"/>
+                <a:ea typeface="+mn-ea"/>
+                <a:cs typeface="+mn-cs"/>
+              </a:rPr>
+              <a:t>은 </a:t>
+            </a:r>
+            <a:r>
+              <a:rPr lang="en-US" altLang="ko-KR" sz="1200" b="0" i="0" kern="1200" dirty="0" smtClean="0">
+                <a:solidFill>
+                  <a:schemeClr val="tx1"/>
+                </a:solidFill>
+                <a:effectLst/>
+                <a:latin typeface="+mn-lt"/>
+                <a:ea typeface="+mn-ea"/>
+                <a:cs typeface="+mn-cs"/>
+              </a:rPr>
+              <a:t>2015</a:t>
+            </a:r>
+            <a:r>
+              <a:rPr lang="ko-KR" altLang="en-US" sz="1200" b="0" i="0" kern="1200" dirty="0" smtClean="0">
+                <a:solidFill>
+                  <a:schemeClr val="tx1"/>
+                </a:solidFill>
+                <a:effectLst/>
+                <a:latin typeface="+mn-lt"/>
+                <a:ea typeface="+mn-ea"/>
+                <a:cs typeface="+mn-cs"/>
+              </a:rPr>
+              <a:t>년 처음으로 나온 </a:t>
+            </a:r>
+            <a:r>
+              <a:rPr lang="en-US" altLang="ko-KR" sz="1200" b="0" i="0" kern="1200" dirty="0" err="1" smtClean="0">
+                <a:solidFill>
+                  <a:schemeClr val="tx1"/>
+                </a:solidFill>
+                <a:effectLst/>
+                <a:latin typeface="+mn-lt"/>
+                <a:ea typeface="+mn-ea"/>
+                <a:cs typeface="+mn-cs"/>
+              </a:rPr>
+              <a:t>DeepLab</a:t>
+            </a:r>
+            <a:r>
+              <a:rPr lang="en-US" altLang="ko-KR" sz="1200" b="0" i="0" kern="1200" dirty="0" smtClean="0">
+                <a:solidFill>
+                  <a:schemeClr val="tx1"/>
+                </a:solidFill>
+                <a:effectLst/>
+                <a:latin typeface="+mn-lt"/>
+                <a:ea typeface="+mn-ea"/>
+                <a:cs typeface="+mn-cs"/>
+              </a:rPr>
+              <a:t>. v1 </a:t>
+            </a:r>
+            <a:r>
+              <a:rPr lang="ko-KR" altLang="en-US" sz="1200" b="0" i="0" kern="1200" dirty="0" smtClean="0">
+                <a:solidFill>
+                  <a:schemeClr val="tx1"/>
+                </a:solidFill>
+                <a:effectLst/>
+                <a:latin typeface="+mn-lt"/>
+                <a:ea typeface="+mn-ea"/>
+                <a:cs typeface="+mn-cs"/>
+              </a:rPr>
+              <a:t>인 </a:t>
+            </a:r>
+            <a:r>
+              <a:rPr lang="en-US" altLang="ko-KR" sz="1200" b="0" i="0" kern="1200" dirty="0" smtClean="0">
+                <a:solidFill>
+                  <a:schemeClr val="tx1"/>
+                </a:solidFill>
+                <a:effectLst/>
+                <a:latin typeface="+mn-lt"/>
+                <a:ea typeface="+mn-ea"/>
+                <a:cs typeface="+mn-cs"/>
+              </a:rPr>
+              <a:t>Semantic Image Segmentation With Deep Convolutional Nets And Fully Connected CRFs(</a:t>
+            </a:r>
+            <a:r>
+              <a:rPr lang="en-US" altLang="ko-KR" sz="1200" b="0" i="0" u="none" strike="noStrike" kern="1200" dirty="0" err="1" smtClean="0">
+                <a:solidFill>
+                  <a:schemeClr val="tx1"/>
+                </a:solidFill>
+                <a:effectLst/>
+                <a:latin typeface="+mn-lt"/>
+                <a:ea typeface="+mn-ea"/>
+                <a:cs typeface="+mn-cs"/>
+                <a:hlinkClick r:id="rId3"/>
+              </a:rPr>
+              <a:t>PaPer</a:t>
+            </a:r>
+            <a:r>
+              <a:rPr lang="en-US" altLang="ko-KR" sz="1200" b="0" i="0" kern="1200" dirty="0" smtClean="0">
+                <a:solidFill>
+                  <a:schemeClr val="tx1"/>
+                </a:solidFill>
+                <a:effectLst/>
+                <a:latin typeface="+mn-lt"/>
+                <a:ea typeface="+mn-ea"/>
+                <a:cs typeface="+mn-cs"/>
+              </a:rPr>
+              <a:t>)</a:t>
+            </a:r>
+            <a:r>
+              <a:rPr lang="ko-KR" altLang="en-US" sz="1200" b="0" i="0" kern="1200" dirty="0" smtClean="0">
+                <a:solidFill>
+                  <a:schemeClr val="tx1"/>
+                </a:solidFill>
+                <a:effectLst/>
+                <a:latin typeface="+mn-lt"/>
+                <a:ea typeface="+mn-ea"/>
+                <a:cs typeface="+mn-cs"/>
+              </a:rPr>
+              <a:t>을 시작으로 </a:t>
+            </a:r>
+            <a:r>
+              <a:rPr lang="en-US" altLang="ko-KR" sz="1200" b="0" i="0" kern="1200" dirty="0" smtClean="0">
+                <a:solidFill>
+                  <a:schemeClr val="tx1"/>
+                </a:solidFill>
+                <a:effectLst/>
+                <a:latin typeface="+mn-lt"/>
+                <a:ea typeface="+mn-ea"/>
+                <a:cs typeface="+mn-cs"/>
+              </a:rPr>
+              <a:t>2016</a:t>
+            </a:r>
+            <a:r>
+              <a:rPr lang="ko-KR" altLang="en-US" sz="1200" b="0" i="0" kern="1200" dirty="0" smtClean="0">
+                <a:solidFill>
+                  <a:schemeClr val="tx1"/>
+                </a:solidFill>
+                <a:effectLst/>
+                <a:latin typeface="+mn-lt"/>
+                <a:ea typeface="+mn-ea"/>
+                <a:cs typeface="+mn-cs"/>
+              </a:rPr>
+              <a:t>년 </a:t>
+            </a:r>
+            <a:r>
+              <a:rPr lang="en-US" altLang="ko-KR" sz="1200" b="0" i="0" kern="1200" dirty="0" err="1" smtClean="0">
+                <a:solidFill>
+                  <a:schemeClr val="tx1"/>
+                </a:solidFill>
+                <a:effectLst/>
+                <a:latin typeface="+mn-lt"/>
+                <a:ea typeface="+mn-ea"/>
+                <a:cs typeface="+mn-cs"/>
+              </a:rPr>
+              <a:t>DeepLab</a:t>
+            </a:r>
+            <a:r>
+              <a:rPr lang="en-US" altLang="ko-KR" sz="1200" b="0" i="0" kern="1200" dirty="0" smtClean="0">
+                <a:solidFill>
+                  <a:schemeClr val="tx1"/>
+                </a:solidFill>
+                <a:effectLst/>
+                <a:latin typeface="+mn-lt"/>
+                <a:ea typeface="+mn-ea"/>
+                <a:cs typeface="+mn-cs"/>
+              </a:rPr>
+              <a:t> v2(</a:t>
+            </a:r>
+            <a:r>
+              <a:rPr lang="en-US" altLang="ko-KR" sz="1200" b="0" i="0" u="none" strike="noStrike" kern="1200" dirty="0" smtClean="0">
+                <a:solidFill>
+                  <a:schemeClr val="tx1"/>
+                </a:solidFill>
+                <a:effectLst/>
+                <a:latin typeface="+mn-lt"/>
+                <a:ea typeface="+mn-ea"/>
+                <a:cs typeface="+mn-cs"/>
+                <a:hlinkClick r:id="rId4"/>
+              </a:rPr>
+              <a:t>Paper</a:t>
+            </a:r>
+            <a:r>
+              <a:rPr lang="en-US" altLang="ko-KR" sz="1200" b="0" i="0" kern="1200" dirty="0" smtClean="0">
+                <a:solidFill>
+                  <a:schemeClr val="tx1"/>
+                </a:solidFill>
+                <a:effectLst/>
+                <a:latin typeface="+mn-lt"/>
+                <a:ea typeface="+mn-ea"/>
+                <a:cs typeface="+mn-cs"/>
+              </a:rPr>
+              <a:t>), </a:t>
+            </a:r>
+            <a:r>
+              <a:rPr lang="ko-KR" altLang="en-US" sz="1200" b="0" i="0" kern="1200" dirty="0" smtClean="0">
+                <a:solidFill>
+                  <a:schemeClr val="tx1"/>
+                </a:solidFill>
+                <a:effectLst/>
+                <a:latin typeface="+mn-lt"/>
+                <a:ea typeface="+mn-ea"/>
+                <a:cs typeface="+mn-cs"/>
+              </a:rPr>
+              <a:t>그리고 </a:t>
+            </a:r>
+            <a:r>
+              <a:rPr lang="ko-KR" altLang="en-US" sz="1200" b="0" i="0" kern="1200" dirty="0" err="1" smtClean="0">
+                <a:solidFill>
+                  <a:schemeClr val="tx1"/>
+                </a:solidFill>
+                <a:effectLst/>
+                <a:latin typeface="+mn-lt"/>
+                <a:ea typeface="+mn-ea"/>
+                <a:cs typeface="+mn-cs"/>
+              </a:rPr>
+              <a:t>오픈소스로</a:t>
+            </a:r>
+            <a:r>
+              <a:rPr lang="ko-KR" altLang="en-US" sz="1200" b="0" i="0" kern="1200" dirty="0" smtClean="0">
+                <a:solidFill>
+                  <a:schemeClr val="tx1"/>
+                </a:solidFill>
+                <a:effectLst/>
+                <a:latin typeface="+mn-lt"/>
+                <a:ea typeface="+mn-ea"/>
+                <a:cs typeface="+mn-cs"/>
+              </a:rPr>
+              <a:t> 나온 </a:t>
+            </a:r>
+            <a:r>
+              <a:rPr lang="en-US" altLang="ko-KR" sz="1200" b="0" i="0" kern="1200" dirty="0" err="1" smtClean="0">
+                <a:solidFill>
+                  <a:schemeClr val="tx1"/>
+                </a:solidFill>
+                <a:effectLst/>
+                <a:latin typeface="+mn-lt"/>
+                <a:ea typeface="+mn-ea"/>
+                <a:cs typeface="+mn-cs"/>
+              </a:rPr>
+              <a:t>DeepLab</a:t>
+            </a:r>
+            <a:r>
+              <a:rPr lang="en-US" altLang="ko-KR" sz="1200" b="0" i="0" kern="1200" dirty="0" smtClean="0">
+                <a:solidFill>
+                  <a:schemeClr val="tx1"/>
+                </a:solidFill>
+                <a:effectLst/>
+                <a:latin typeface="+mn-lt"/>
+                <a:ea typeface="+mn-ea"/>
+                <a:cs typeface="+mn-cs"/>
+              </a:rPr>
+              <a:t> v3</a:t>
+            </a:r>
+            <a:r>
+              <a:rPr lang="ko-KR" altLang="en-US" sz="1200" b="0" i="0" kern="1200" dirty="0" smtClean="0">
+                <a:solidFill>
+                  <a:schemeClr val="tx1"/>
+                </a:solidFill>
+                <a:effectLst/>
+                <a:latin typeface="+mn-lt"/>
+                <a:ea typeface="+mn-ea"/>
+                <a:cs typeface="+mn-cs"/>
+              </a:rPr>
+              <a:t>까지 </a:t>
+            </a:r>
+            <a:r>
+              <a:rPr lang="en-US" altLang="ko-KR" sz="1200" b="0" i="0" kern="1200" dirty="0" smtClean="0">
+                <a:solidFill>
+                  <a:schemeClr val="tx1"/>
+                </a:solidFill>
+                <a:effectLst/>
+                <a:latin typeface="+mn-lt"/>
+                <a:ea typeface="+mn-ea"/>
+                <a:cs typeface="+mn-cs"/>
+              </a:rPr>
+              <a:t>Semantic </a:t>
+            </a:r>
+            <a:r>
+              <a:rPr lang="en-US" altLang="ko-KR" sz="1200" b="0" i="0" kern="1200" dirty="0" err="1" smtClean="0">
+                <a:solidFill>
+                  <a:schemeClr val="tx1"/>
+                </a:solidFill>
+                <a:effectLst/>
+                <a:latin typeface="+mn-lt"/>
+                <a:ea typeface="+mn-ea"/>
+                <a:cs typeface="+mn-cs"/>
+              </a:rPr>
+              <a:t>Segmentaion</a:t>
+            </a:r>
+            <a:r>
+              <a:rPr lang="ko-KR" altLang="en-US" sz="1200" b="0" i="0" kern="1200" dirty="0" smtClean="0">
+                <a:solidFill>
+                  <a:schemeClr val="tx1"/>
+                </a:solidFill>
+                <a:effectLst/>
+                <a:latin typeface="+mn-lt"/>
+                <a:ea typeface="+mn-ea"/>
+                <a:cs typeface="+mn-cs"/>
+              </a:rPr>
+              <a:t>분야에서 높은 성능을 보여줬다</a:t>
+            </a:r>
+            <a:r>
+              <a:rPr lang="en-US" altLang="ko-KR" sz="1200" b="0" i="0" kern="1200" dirty="0" smtClean="0">
+                <a:solidFill>
+                  <a:schemeClr val="tx1"/>
+                </a:solidFill>
+                <a:effectLst/>
+                <a:latin typeface="+mn-lt"/>
+                <a:ea typeface="+mn-ea"/>
+                <a:cs typeface="+mn-cs"/>
+              </a:rPr>
+              <a:t>.</a:t>
+            </a:r>
+            <a:endParaRPr lang="ko-KR" altLang="en-US" dirty="0"/>
+          </a:p>
+        </p:txBody>
+      </p:sp>
+      <p:sp>
+        <p:nvSpPr>
+          <p:cNvPr id="4" name="슬라이드 번호 개체 틀 3"/>
+          <p:cNvSpPr>
+            <a:spLocks noGrp="1"/>
+          </p:cNvSpPr>
+          <p:nvPr>
+            <p:ph type="sldNum" sz="quarter" idx="10"/>
+          </p:nvPr>
+        </p:nvSpPr>
+        <p:spPr/>
+        <p:txBody>
+          <a:bodyPr/>
+          <a:lstStyle/>
+          <a:p>
+            <a:fld id="{D1A1BDA6-EC4D-4E3E-BDE0-31E143DD4074}" type="slidenum">
+              <a:rPr lang="ko-KR" altLang="en-US" smtClean="0"/>
+              <a:t>4</a:t>
+            </a:fld>
+            <a:endParaRPr lang="ko-KR" altLang="en-US"/>
+          </a:p>
+        </p:txBody>
+      </p:sp>
+    </p:spTree>
+    <p:extLst>
+      <p:ext uri="{BB962C8B-B14F-4D97-AF65-F5344CB8AC3E}">
+        <p14:creationId xmlns:p14="http://schemas.microsoft.com/office/powerpoint/2010/main" val="1799945763"/>
+      </p:ext>
+    </p:extLst>
+  </p:cSld>
+  <p:clrMapOvr>
+    <a:masterClrMapping/>
+  </p:clrMapOvr>
+</p:notes>
+</file>
+
+<file path=ppt/notesSlides/notesSlide4.xml><?xml version="1.0" encoding="utf-8"?>
+<p:notes xmlns:a="http://schemas.openxmlformats.org/drawingml/2006/main" xmlns:r="http://schemas.openxmlformats.org/officeDocument/2006/relationships" xmlns:p="http://schemas.openxmlformats.org/presentationml/2006/main">
+  <p:cSld>
+    <p:spTree>
+      <p:nvGrpSpPr>
+        <p:cNvPr id="1" name=""/>
+        <p:cNvGrpSpPr/>
+        <p:nvPr/>
+      </p:nvGrpSpPr>
+      <p:grpSpPr>
+        <a:xfrm>
+          <a:off x="0" y="0"/>
+          <a:ext cx="0" cy="0"/>
+          <a:chOff x="0" y="0"/>
+          <a:chExt cx="0" cy="0"/>
+        </a:xfrm>
+      </p:grpSpPr>
+      <p:sp>
+        <p:nvSpPr>
+          <p:cNvPr id="2" name="슬라이드 이미지 개체 틀 1"/>
+          <p:cNvSpPr>
+            <a:spLocks noGrp="1" noRot="1" noChangeAspect="1"/>
+          </p:cNvSpPr>
+          <p:nvPr>
+            <p:ph type="sldImg"/>
+          </p:nvPr>
+        </p:nvSpPr>
+        <p:spPr/>
+      </p:sp>
+      <p:sp>
+        <p:nvSpPr>
+          <p:cNvPr id="3" name="슬라이드 노트 개체 틀 2"/>
+          <p:cNvSpPr>
+            <a:spLocks noGrp="1"/>
+          </p:cNvSpPr>
+          <p:nvPr>
+            <p:ph type="body" idx="1"/>
+          </p:nvPr>
+        </p:nvSpPr>
+        <p:spPr/>
+        <p:txBody>
+          <a:bodyPr/>
+          <a:lstStyle/>
+          <a:p>
+            <a:endParaRPr lang="ko-KR" altLang="en-US" dirty="0"/>
+          </a:p>
+        </p:txBody>
+      </p:sp>
+      <p:sp>
+        <p:nvSpPr>
+          <p:cNvPr id="4" name="슬라이드 번호 개체 틀 3"/>
+          <p:cNvSpPr>
+            <a:spLocks noGrp="1"/>
+          </p:cNvSpPr>
+          <p:nvPr>
+            <p:ph type="sldNum" sz="quarter" idx="10"/>
+          </p:nvPr>
+        </p:nvSpPr>
+        <p:spPr/>
+        <p:txBody>
+          <a:bodyPr/>
+          <a:lstStyle/>
+          <a:p>
+            <a:fld id="{D1A1BDA6-EC4D-4E3E-BDE0-31E143DD4074}" type="slidenum">
+              <a:rPr lang="ko-KR" altLang="en-US" smtClean="0"/>
+              <a:t>5</a:t>
+            </a:fld>
+            <a:endParaRPr lang="ko-KR" altLang="en-US"/>
+          </a:p>
+        </p:txBody>
+      </p:sp>
+    </p:spTree>
+    <p:extLst>
+      <p:ext uri="{BB962C8B-B14F-4D97-AF65-F5344CB8AC3E}">
+        <p14:creationId xmlns:p14="http://schemas.microsoft.com/office/powerpoint/2010/main" val="2910145365"/>
+      </p:ext>
+    </p:extLst>
+  </p:cSld>
+  <p:clrMapOvr>
+    <a:masterClrMapping/>
+  </p:clrMapOvr>
+</p:notes>
+</file>
+
+<file path=ppt/notesSlides/notesSlide5.xml><?xml version="1.0" encoding="utf-8"?>
 <p:notes xmlns:a="http://schemas.openxmlformats.org/drawingml/2006/main" xmlns:r="http://schemas.openxmlformats.org/officeDocument/2006/relationships" xmlns:p="http://schemas.openxmlformats.org/presentationml/2006/main">
   <p:cSld>
     <p:spTree>
@@ -6936,7 +7496,7 @@
           </p:cNvPicPr>
           <p:nvPr/>
         </p:nvPicPr>
-        <p:blipFill>
+        <p:blipFill rotWithShape="1">
           <a:blip r:embed="rId3">
             <a:extLst>
               <a:ext uri="{28A0092B-C50C-407E-A947-70E740481C1C}">
@@ -6944,15 +7504,52 @@
               </a:ext>
             </a:extLst>
           </a:blip>
-          <a:srcRect/>
-          <a:stretch>
-            <a:fillRect/>
-          </a:stretch>
+          <a:srcRect l="47795"/>
+          <a:stretch/>
         </p:blipFill>
         <p:spPr bwMode="auto">
           <a:xfrm>
-            <a:off x="692463" y="1604245"/>
-            <a:ext cx="10842625" cy="4601571"/>
+            <a:off x="6027107" y="1604244"/>
+            <a:ext cx="5660381" cy="4601571"/>
+          </a:xfrm>
+          <a:prstGeom prst="rect">
+            <a:avLst/>
+          </a:prstGeom>
+          <a:noFill/>
+          <a:extLst>
+            <a:ext uri="{909E8E84-426E-40DD-AFC4-6F175D3DCCD1}">
+              <a14:hiddenFill xmlns:a14="http://schemas.microsoft.com/office/drawing/2010/main">
+                <a:solidFill>
+                  <a:srgbClr val="FFFFFF"/>
+                </a:solidFill>
+              </a14:hiddenFill>
+            </a:ext>
+          </a:extLst>
+        </p:spPr>
+      </p:pic>
+      <p:pic>
+        <p:nvPicPr>
+          <p:cNvPr id="9" name="Picture 2" descr="https://miro.medium.com/max/1574/1*cJ3oLJ2s8W_sCPmTuMgIlw.png"/>
+          <p:cNvPicPr>
+            <a:picLocks noChangeAspect="1" noChangeArrowheads="1"/>
+          </p:cNvPicPr>
+          <p:nvPr/>
+        </p:nvPicPr>
+        <p:blipFill rotWithShape="1">
+          <a:blip r:embed="rId3">
+            <a:extLst>
+              <a:ext uri="{28A0092B-C50C-407E-A947-70E740481C1C}">
+                <a14:useLocalDpi xmlns:a14="http://schemas.microsoft.com/office/drawing/2010/main" val="0"/>
+              </a:ext>
+            </a:extLst>
+          </a:blip>
+          <a:srcRect r="52455"/>
+          <a:stretch/>
+        </p:blipFill>
+        <p:spPr bwMode="auto">
+          <a:xfrm>
+            <a:off x="531713" y="1604245"/>
+            <a:ext cx="5155104" cy="4601571"/>
           </a:xfrm>
           <a:prstGeom prst="rect">
             <a:avLst/>
@@ -8512,82 +9109,26 @@
       </p:sp>
       <p:pic>
         <p:nvPicPr>
-          <p:cNvPr id="2050" name="Picture 2" descr="https://miro.medium.com/max/473/1*Ox16veM29OVxGgIPrVmMhQ.png"/>
+          <p:cNvPr id="3" name="그림 2"/>
           <p:cNvPicPr>
-            <a:picLocks noChangeAspect="1" noChangeArrowheads="1"/>
+            <a:picLocks noChangeAspect="1"/>
           </p:cNvPicPr>
           <p:nvPr/>
         </p:nvPicPr>
         <p:blipFill>
-          <a:blip r:embed="rId3">
-            <a:extLst>
-              <a:ext uri="{28A0092B-C50C-407E-A947-70E740481C1C}">
-                <a14:useLocalDpi xmlns:a14="http://schemas.microsoft.com/office/drawing/2010/main" val="0"/>
-              </a:ext>
-            </a:extLst>
-          </a:blip>
-          <a:srcRect/>
+          <a:blip r:embed="rId3"/>
           <a:stretch>
             <a:fillRect/>
           </a:stretch>
         </p:blipFill>
-        <p:spPr bwMode="auto">
+        <p:spPr>
           <a:xfrm>
-            <a:off x="1590676" y="2204212"/>
-            <a:ext cx="4505325" cy="3371851"/>
+            <a:off x="2233613" y="2161001"/>
+            <a:ext cx="7724775" cy="3162300"/>
           </a:xfrm>
           <a:prstGeom prst="rect">
             <a:avLst/>
           </a:prstGeom>
-          <a:noFill/>
-          <a:extLst>
-            <a:ext uri="{909E8E84-426E-40DD-AFC4-6F175D3DCCD1}">
-              <a14:hiddenFill xmlns:a14="http://schemas.microsoft.com/office/drawing/2010/main">
-                <a:solidFill>
-                  <a:srgbClr val="FFFFFF"/>
-                </a:solidFill>
-              </a14:hiddenFill>
-            </a:ext>
-          </a:extLst>
-        </p:spPr>
-      </p:pic>
-      <p:pic>
-        <p:nvPicPr>
-          <p:cNvPr id="2056" name="Picture 8" descr="https://miro.medium.com/max/2202/1*jHv5C23SLtL3UFeR8VnohQ.png"/>
-          <p:cNvPicPr>
-            <a:picLocks noChangeAspect="1" noChangeArrowheads="1"/>
-          </p:cNvPicPr>
-          <p:nvPr/>
-        </p:nvPicPr>
-        <p:blipFill rotWithShape="1">
-          <a:blip r:embed="rId4" cstate="print">
-            <a:extLst>
-              <a:ext uri="{28A0092B-C50C-407E-A947-70E740481C1C}">
-                <a14:useLocalDpi xmlns:a14="http://schemas.microsoft.com/office/drawing/2010/main" val="0"/>
-              </a:ext>
-            </a:extLst>
-          </a:blip>
-          <a:srcRect r="50032"/>
-          <a:stretch/>
-        </p:blipFill>
-        <p:spPr bwMode="auto">
-          <a:xfrm>
-            <a:off x="6474390" y="2204212"/>
-            <a:ext cx="4498410" cy="3360654"/>
-          </a:xfrm>
-          <a:prstGeom prst="rect">
-            <a:avLst/>
-          </a:prstGeom>
-          <a:noFill/>
-          <a:extLst>
-            <a:ext uri="{909E8E84-426E-40DD-AFC4-6F175D3DCCD1}">
-              <a14:hiddenFill xmlns:a14="http://schemas.microsoft.com/office/drawing/2010/main">
-                <a:solidFill>
-                  <a:srgbClr val="FFFFFF"/>
-                </a:solidFill>
-              </a14:hiddenFill>
-            </a:ext>
-          </a:extLst>
         </p:spPr>
       </p:pic>
     </p:spTree>
@@ -10140,7 +10681,7 @@
           <p:nvPr/>
         </p:nvPicPr>
         <p:blipFill>
-          <a:blip r:embed="rId2">
+          <a:blip r:embed="rId3">
             <a:extLst>
               <a:ext uri="{28A0092B-C50C-407E-A947-70E740481C1C}">
                 <a14:useLocalDpi xmlns:a14="http://schemas.microsoft.com/office/drawing/2010/main" val="0"/>
@@ -11722,7 +12263,7 @@
           <p:nvPr/>
         </p:nvPicPr>
         <p:blipFill>
-          <a:blip r:embed="rId2">
+          <a:blip r:embed="rId3">
             <a:extLst>
               <a:ext uri="{28A0092B-C50C-407E-A947-70E740481C1C}">
                 <a14:useLocalDpi xmlns:a14="http://schemas.microsoft.com/office/drawing/2010/main" val="0"/>
@@ -15538,7 +16079,7 @@
         </p:blipFill>
         <p:spPr>
           <a:xfrm>
-            <a:off x="8531577" y="2523282"/>
+            <a:off x="8601072" y="2503011"/>
             <a:ext cx="1771650" cy="1771650"/>
           </a:xfrm>
           <a:prstGeom prst="rect">
@@ -15685,6 +16226,7 @@
           </a:bodyPr>
           <a:lstStyle/>
           <a:p>
+            <a:pPr algn="ctr"/>
             <a:r>
               <a:rPr lang="en-US" altLang="ko-KR" sz="2400" dirty="0" smtClean="0">
                 <a:latin typeface="Consolas" panose="020B0609020204030204" pitchFamily="49" charset="0"/>
@@ -15732,6 +16274,7 @@
           </a:bodyPr>
           <a:lstStyle/>
           <a:p>
+            <a:pPr algn="ctr"/>
             <a:r>
               <a:rPr lang="en-US" altLang="ko-KR" sz="2400" dirty="0" smtClean="0">
                 <a:latin typeface="Consolas" panose="020B0609020204030204" pitchFamily="49" charset="0"/>
@@ -15779,6 +16322,7 @@
           </a:bodyPr>
           <a:lstStyle/>
           <a:p>
+            <a:pPr algn="ctr"/>
             <a:r>
               <a:rPr lang="en-US" altLang="ko-KR" sz="2400" dirty="0" smtClean="0">
                 <a:latin typeface="Consolas" panose="020B0609020204030204" pitchFamily="49" charset="0"/>
@@ -15788,6 +16332,7 @@
             </a:r>
           </a:p>
           <a:p>
+            <a:pPr algn="ctr"/>
             <a:r>
               <a:rPr lang="en-US" altLang="ko-KR" sz="2400" dirty="0" smtClean="0">
                 <a:latin typeface="Consolas" panose="020B0609020204030204" pitchFamily="49" charset="0"/>
@@ -15811,6 +16356,1867 @@
   <p:timing>
     <p:tnLst>
       <p:par>
+        <p:cTn id="1" dur="indefinite" restart="never" nodeType="tmRoot">
+          <p:childTnLst>
+            <p:seq concurrent="1" nextAc="seek">
+              <p:cTn id="2" dur="indefinite" nodeType="mainSeq">
+                <p:childTnLst>
+                  <p:par>
+                    <p:cTn id="3" fill="hold">
+                      <p:stCondLst>
+                        <p:cond delay="indefinite"/>
+                      </p:stCondLst>
+                      <p:childTnLst>
+                        <p:par>
+                          <p:cTn id="4" fill="hold">
+                            <p:stCondLst>
+                              <p:cond delay="0"/>
+                            </p:stCondLst>
+                            <p:childTnLst>
+                              <p:par>
+                                <p:cTn id="5" presetID="10" presetClass="entr" presetSubtype="0" fill="hold" nodeType="clickEffect">
+                                  <p:stCondLst>
+                                    <p:cond delay="0"/>
+                                  </p:stCondLst>
+                                  <p:childTnLst>
+                                    <p:set>
+                                      <p:cBhvr>
+                                        <p:cTn id="6" dur="1" fill="hold">
+                                          <p:stCondLst>
+                                            <p:cond delay="0"/>
+                                          </p:stCondLst>
+                                        </p:cTn>
+                                        <p:tgtEl>
+                                          <p:spTgt spid="15"/>
+                                        </p:tgtEl>
+                                        <p:attrNameLst>
+                                          <p:attrName>style.visibility</p:attrName>
+                                        </p:attrNameLst>
+                                      </p:cBhvr>
+                                      <p:to>
+                                        <p:strVal val="visible"/>
+                                      </p:to>
+                                    </p:set>
+                                    <p:animEffect transition="in" filter="fade">
+                                      <p:cBhvr>
+                                        <p:cTn id="7" dur="500"/>
+                                        <p:tgtEl>
+                                          <p:spTgt spid="15"/>
+                                        </p:tgtEl>
+                                      </p:cBhvr>
+                                    </p:animEffect>
+                                  </p:childTnLst>
+                                </p:cTn>
+                              </p:par>
+                            </p:childTnLst>
+                          </p:cTn>
+                        </p:par>
+                      </p:childTnLst>
+                    </p:cTn>
+                  </p:par>
+                  <p:par>
+                    <p:cTn id="8" fill="hold">
+                      <p:stCondLst>
+                        <p:cond delay="indefinite"/>
+                      </p:stCondLst>
+                      <p:childTnLst>
+                        <p:par>
+                          <p:cTn id="9" fill="hold">
+                            <p:stCondLst>
+                              <p:cond delay="0"/>
+                            </p:stCondLst>
+                            <p:childTnLst>
+                              <p:par>
+                                <p:cTn id="10" presetID="10" presetClass="entr" presetSubtype="0" fill="hold" nodeType="clickEffect">
+                                  <p:stCondLst>
+                                    <p:cond delay="0"/>
+                                  </p:stCondLst>
+                                  <p:childTnLst>
+                                    <p:set>
+                                      <p:cBhvr>
+                                        <p:cTn id="11" dur="1" fill="hold">
+                                          <p:stCondLst>
+                                            <p:cond delay="0"/>
+                                          </p:stCondLst>
+                                        </p:cTn>
+                                        <p:tgtEl>
+                                          <p:spTgt spid="3"/>
+                                        </p:tgtEl>
+                                        <p:attrNameLst>
+                                          <p:attrName>style.visibility</p:attrName>
+                                        </p:attrNameLst>
+                                      </p:cBhvr>
+                                      <p:to>
+                                        <p:strVal val="visible"/>
+                                      </p:to>
+                                    </p:set>
+                                    <p:animEffect transition="in" filter="fade">
+                                      <p:cBhvr>
+                                        <p:cTn id="12" dur="500"/>
+                                        <p:tgtEl>
+                                          <p:spTgt spid="3"/>
+                                        </p:tgtEl>
+                                      </p:cBhvr>
+                                    </p:animEffect>
+                                  </p:childTnLst>
+                                </p:cTn>
+                              </p:par>
+                              <p:par>
+                                <p:cTn id="13" presetID="10" presetClass="entr" presetSubtype="0" fill="hold" nodeType="withEffect">
+                                  <p:stCondLst>
+                                    <p:cond delay="0"/>
+                                  </p:stCondLst>
+                                  <p:childTnLst>
+                                    <p:set>
+                                      <p:cBhvr>
+                                        <p:cTn id="14" dur="1" fill="hold">
+                                          <p:stCondLst>
+                                            <p:cond delay="0"/>
+                                          </p:stCondLst>
+                                        </p:cTn>
+                                        <p:tgtEl>
+                                          <p:spTgt spid="6"/>
+                                        </p:tgtEl>
+                                        <p:attrNameLst>
+                                          <p:attrName>style.visibility</p:attrName>
+                                        </p:attrNameLst>
+                                      </p:cBhvr>
+                                      <p:to>
+                                        <p:strVal val="visible"/>
+                                      </p:to>
+                                    </p:set>
+                                    <p:animEffect transition="in" filter="fade">
+                                      <p:cBhvr>
+                                        <p:cTn id="15" dur="500"/>
+                                        <p:tgtEl>
+                                          <p:spTgt spid="6"/>
+                                        </p:tgtEl>
+                                      </p:cBhvr>
+                                    </p:animEffect>
+                                  </p:childTnLst>
+                                </p:cTn>
+                              </p:par>
+                            </p:childTnLst>
+                          </p:cTn>
+                        </p:par>
+                      </p:childTnLst>
+                    </p:cTn>
+                  </p:par>
+                  <p:par>
+                    <p:cTn id="16" fill="hold">
+                      <p:stCondLst>
+                        <p:cond delay="indefinite"/>
+                      </p:stCondLst>
+                      <p:childTnLst>
+                        <p:par>
+                          <p:cTn id="17" fill="hold">
+                            <p:stCondLst>
+                              <p:cond delay="0"/>
+                            </p:stCondLst>
+                            <p:childTnLst>
+                              <p:par>
+                                <p:cTn id="18" presetID="10" presetClass="entr" presetSubtype="0" fill="hold" nodeType="clickEffect">
+                                  <p:stCondLst>
+                                    <p:cond delay="0"/>
+                                  </p:stCondLst>
+                                  <p:childTnLst>
+                                    <p:set>
+                                      <p:cBhvr>
+                                        <p:cTn id="19" dur="1" fill="hold">
+                                          <p:stCondLst>
+                                            <p:cond delay="0"/>
+                                          </p:stCondLst>
+                                        </p:cTn>
+                                        <p:tgtEl>
+                                          <p:spTgt spid="5132"/>
+                                        </p:tgtEl>
+                                        <p:attrNameLst>
+                                          <p:attrName>style.visibility</p:attrName>
+                                        </p:attrNameLst>
+                                      </p:cBhvr>
+                                      <p:to>
+                                        <p:strVal val="visible"/>
+                                      </p:to>
+                                    </p:set>
+                                    <p:animEffect transition="in" filter="fade">
+                                      <p:cBhvr>
+                                        <p:cTn id="20" dur="500"/>
+                                        <p:tgtEl>
+                                          <p:spTgt spid="5132"/>
+                                        </p:tgtEl>
+                                      </p:cBhvr>
+                                    </p:animEffect>
+                                  </p:childTnLst>
+                                </p:cTn>
+                              </p:par>
+                              <p:par>
+                                <p:cTn id="21" presetID="10" presetClass="entr" presetSubtype="0" fill="hold" nodeType="withEffect">
+                                  <p:stCondLst>
+                                    <p:cond delay="0"/>
+                                  </p:stCondLst>
+                                  <p:childTnLst>
+                                    <p:set>
+                                      <p:cBhvr>
+                                        <p:cTn id="22" dur="1" fill="hold">
+                                          <p:stCondLst>
+                                            <p:cond delay="0"/>
+                                          </p:stCondLst>
+                                        </p:cTn>
+                                        <p:tgtEl>
+                                          <p:spTgt spid="9"/>
+                                        </p:tgtEl>
+                                        <p:attrNameLst>
+                                          <p:attrName>style.visibility</p:attrName>
+                                        </p:attrNameLst>
+                                      </p:cBhvr>
+                                      <p:to>
+                                        <p:strVal val="visible"/>
+                                      </p:to>
+                                    </p:set>
+                                    <p:animEffect transition="in" filter="fade">
+                                      <p:cBhvr>
+                                        <p:cTn id="23" dur="500"/>
+                                        <p:tgtEl>
+                                          <p:spTgt spid="9"/>
+                                        </p:tgtEl>
+                                      </p:cBhvr>
+                                    </p:animEffect>
+                                  </p:childTnLst>
+                                </p:cTn>
+                              </p:par>
+                              <p:par>
+                                <p:cTn id="24" presetID="10" presetClass="entr" presetSubtype="0" fill="hold" nodeType="withEffect">
+                                  <p:stCondLst>
+                                    <p:cond delay="0"/>
+                                  </p:stCondLst>
+                                  <p:childTnLst>
+                                    <p:set>
+                                      <p:cBhvr>
+                                        <p:cTn id="25" dur="1" fill="hold">
+                                          <p:stCondLst>
+                                            <p:cond delay="0"/>
+                                          </p:stCondLst>
+                                        </p:cTn>
+                                        <p:tgtEl>
+                                          <p:spTgt spid="5130"/>
+                                        </p:tgtEl>
+                                        <p:attrNameLst>
+                                          <p:attrName>style.visibility</p:attrName>
+                                        </p:attrNameLst>
+                                      </p:cBhvr>
+                                      <p:to>
+                                        <p:strVal val="visible"/>
+                                      </p:to>
+                                    </p:set>
+                                    <p:animEffect transition="in" filter="fade">
+                                      <p:cBhvr>
+                                        <p:cTn id="26" dur="500"/>
+                                        <p:tgtEl>
+                                          <p:spTgt spid="5130"/>
+                                        </p:tgtEl>
+                                      </p:cBhvr>
+                                    </p:animEffect>
+                                  </p:childTnLst>
+                                </p:cTn>
+                              </p:par>
+                            </p:childTnLst>
+                          </p:cTn>
+                        </p:par>
+                      </p:childTnLst>
+                    </p:cTn>
+                  </p:par>
+                </p:childTnLst>
+              </p:cTn>
+              <p:prevCondLst>
+                <p:cond evt="onPrev" delay="0">
+                  <p:tgtEl>
+                    <p:sldTgt/>
+                  </p:tgtEl>
+                </p:cond>
+              </p:prevCondLst>
+              <p:nextCondLst>
+                <p:cond evt="onNext" delay="0">
+                  <p:tgtEl>
+                    <p:sldTgt/>
+                  </p:tgtEl>
+                </p:cond>
+              </p:nextCondLst>
+            </p:seq>
+          </p:childTnLst>
+        </p:cTn>
+      </p:par>
+    </p:tnLst>
+  </p:timing>
+</p:sld>
+</file>
+
+<file path=ppt/slides/slide8.xml><?xml version="1.0" encoding="utf-8"?>
+<p:sld xmlns:a="http://schemas.openxmlformats.org/drawingml/2006/main" xmlns:r="http://schemas.openxmlformats.org/officeDocument/2006/relationships" xmlns:p="http://schemas.openxmlformats.org/presentationml/2006/main">
+  <p:cSld>
+    <p:spTree>
+      <p:nvGrpSpPr>
+        <p:cNvPr id="1" name=""/>
+        <p:cNvGrpSpPr/>
+        <p:nvPr/>
+      </p:nvGrpSpPr>
+      <p:grpSpPr>
+        <a:xfrm>
+          <a:off x="0" y="0"/>
+          <a:ext cx="0" cy="0"/>
+          <a:chOff x="0" y="0"/>
+          <a:chExt cx="0" cy="0"/>
+        </a:xfrm>
+      </p:grpSpPr>
+      <p:sp>
+        <p:nvSpPr>
+          <p:cNvPr id="14" name="자유형 13"/>
+          <p:cNvSpPr/>
+          <p:nvPr/>
+        </p:nvSpPr>
+        <p:spPr>
+          <a:xfrm>
+            <a:off x="2" y="-1"/>
+            <a:ext cx="12191999" cy="6858000"/>
+          </a:xfrm>
+          <a:custGeom>
+            <a:avLst/>
+            <a:gdLst>
+              <a:gd name="connsiteX0" fmla="*/ 192505 w 12191999"/>
+              <a:gd name="connsiteY0" fmla="*/ 1210999 h 6858000"/>
+              <a:gd name="connsiteX1" fmla="*/ 192505 w 12191999"/>
+              <a:gd name="connsiteY1" fmla="*/ 6713220 h 6858000"/>
+              <a:gd name="connsiteX2" fmla="*/ 11999494 w 12191999"/>
+              <a:gd name="connsiteY2" fmla="*/ 6713220 h 6858000"/>
+              <a:gd name="connsiteX3" fmla="*/ 11999494 w 12191999"/>
+              <a:gd name="connsiteY3" fmla="*/ 1210999 h 6858000"/>
+              <a:gd name="connsiteX4" fmla="*/ 0 w 12191999"/>
+              <a:gd name="connsiteY4" fmla="*/ 0 h 6858000"/>
+              <a:gd name="connsiteX5" fmla="*/ 12191999 w 12191999"/>
+              <a:gd name="connsiteY5" fmla="*/ 0 h 6858000"/>
+              <a:gd name="connsiteX6" fmla="*/ 12191999 w 12191999"/>
+              <a:gd name="connsiteY6" fmla="*/ 1019175 h 6858000"/>
+              <a:gd name="connsiteX7" fmla="*/ 12191999 w 12191999"/>
+              <a:gd name="connsiteY7" fmla="*/ 1210999 h 6858000"/>
+              <a:gd name="connsiteX8" fmla="*/ 12191999 w 12191999"/>
+              <a:gd name="connsiteY8" fmla="*/ 6713220 h 6858000"/>
+              <a:gd name="connsiteX9" fmla="*/ 12191999 w 12191999"/>
+              <a:gd name="connsiteY9" fmla="*/ 6858000 h 6858000"/>
+              <a:gd name="connsiteX10" fmla="*/ 11999494 w 12191999"/>
+              <a:gd name="connsiteY10" fmla="*/ 6858000 h 6858000"/>
+              <a:gd name="connsiteX11" fmla="*/ 192505 w 12191999"/>
+              <a:gd name="connsiteY11" fmla="*/ 6858000 h 6858000"/>
+              <a:gd name="connsiteX12" fmla="*/ 127149 w 12191999"/>
+              <a:gd name="connsiteY12" fmla="*/ 6858000 h 6858000"/>
+              <a:gd name="connsiteX13" fmla="*/ 0 w 12191999"/>
+              <a:gd name="connsiteY13" fmla="*/ 6858000 h 6858000"/>
+              <a:gd name="connsiteX14" fmla="*/ 0 w 12191999"/>
+              <a:gd name="connsiteY14" fmla="*/ 1210999 h 6858000"/>
+              <a:gd name="connsiteX15" fmla="*/ 0 w 12191999"/>
+              <a:gd name="connsiteY15" fmla="*/ 1019175 h 6858000"/>
+            </a:gdLst>
+            <a:ahLst/>
+            <a:cxnLst>
+              <a:cxn ang="0">
+                <a:pos x="connsiteX0" y="connsiteY0"/>
+              </a:cxn>
+              <a:cxn ang="0">
+                <a:pos x="connsiteX1" y="connsiteY1"/>
+              </a:cxn>
+              <a:cxn ang="0">
+                <a:pos x="connsiteX2" y="connsiteY2"/>
+              </a:cxn>
+              <a:cxn ang="0">
+                <a:pos x="connsiteX3" y="connsiteY3"/>
+              </a:cxn>
+              <a:cxn ang="0">
+                <a:pos x="connsiteX4" y="connsiteY4"/>
+              </a:cxn>
+              <a:cxn ang="0">
+                <a:pos x="connsiteX5" y="connsiteY5"/>
+              </a:cxn>
+              <a:cxn ang="0">
+                <a:pos x="connsiteX6" y="connsiteY6"/>
+              </a:cxn>
+              <a:cxn ang="0">
+                <a:pos x="connsiteX7" y="connsiteY7"/>
+              </a:cxn>
+              <a:cxn ang="0">
+                <a:pos x="connsiteX8" y="connsiteY8"/>
+              </a:cxn>
+              <a:cxn ang="0">
+                <a:pos x="connsiteX9" y="connsiteY9"/>
+              </a:cxn>
+              <a:cxn ang="0">
+                <a:pos x="connsiteX10" y="connsiteY10"/>
+              </a:cxn>
+              <a:cxn ang="0">
+                <a:pos x="connsiteX11" y="connsiteY11"/>
+              </a:cxn>
+              <a:cxn ang="0">
+                <a:pos x="connsiteX12" y="connsiteY12"/>
+              </a:cxn>
+              <a:cxn ang="0">
+                <a:pos x="connsiteX13" y="connsiteY13"/>
+              </a:cxn>
+              <a:cxn ang="0">
+                <a:pos x="connsiteX14" y="connsiteY14"/>
+              </a:cxn>
+              <a:cxn ang="0">
+                <a:pos x="connsiteX15" y="connsiteY15"/>
+              </a:cxn>
+            </a:cxnLst>
+            <a:rect l="l" t="t" r="r" b="b"/>
+            <a:pathLst>
+              <a:path w="12191999" h="6858000">
+                <a:moveTo>
+                  <a:pt x="192505" y="1210999"/>
+                </a:moveTo>
+                <a:lnTo>
+                  <a:pt x="192505" y="6713220"/>
+                </a:lnTo>
+                <a:lnTo>
+                  <a:pt x="11999494" y="6713220"/>
+                </a:lnTo>
+                <a:lnTo>
+                  <a:pt x="11999494" y="1210999"/>
+                </a:lnTo>
+                <a:close/>
+                <a:moveTo>
+                  <a:pt x="0" y="0"/>
+                </a:moveTo>
+                <a:lnTo>
+                  <a:pt x="12191999" y="0"/>
+                </a:lnTo>
+                <a:lnTo>
+                  <a:pt x="12191999" y="1019175"/>
+                </a:lnTo>
+                <a:lnTo>
+                  <a:pt x="12191999" y="1210999"/>
+                </a:lnTo>
+                <a:lnTo>
+                  <a:pt x="12191999" y="6713220"/>
+                </a:lnTo>
+                <a:lnTo>
+                  <a:pt x="12191999" y="6858000"/>
+                </a:lnTo>
+                <a:lnTo>
+                  <a:pt x="11999494" y="6858000"/>
+                </a:lnTo>
+                <a:lnTo>
+                  <a:pt x="192505" y="6858000"/>
+                </a:lnTo>
+                <a:lnTo>
+                  <a:pt x="127149" y="6858000"/>
+                </a:lnTo>
+                <a:lnTo>
+                  <a:pt x="0" y="6858000"/>
+                </a:lnTo>
+                <a:lnTo>
+                  <a:pt x="0" y="1210999"/>
+                </a:lnTo>
+                <a:lnTo>
+                  <a:pt x="0" y="1019175"/>
+                </a:lnTo>
+                <a:close/>
+              </a:path>
+            </a:pathLst>
+          </a:custGeom>
+          <a:solidFill>
+            <a:srgbClr val="D24726"/>
+          </a:solidFill>
+          <a:ln>
+            <a:noFill/>
+          </a:ln>
+        </p:spPr>
+        <p:style>
+          <a:lnRef idx="2">
+            <a:schemeClr val="accent1">
+              <a:shade val="50000"/>
+            </a:schemeClr>
+          </a:lnRef>
+          <a:fillRef idx="1">
+            <a:schemeClr val="accent1"/>
+          </a:fillRef>
+          <a:effectRef idx="0">
+            <a:schemeClr val="accent1"/>
+          </a:effectRef>
+          <a:fontRef idx="minor">
+            <a:schemeClr val="lt1"/>
+          </a:fontRef>
+        </p:style>
+        <p:txBody>
+          <a:bodyPr wrap="square" rtlCol="0" anchor="t">
+            <a:noAutofit/>
+          </a:bodyPr>
+          <a:lstStyle/>
+          <a:p>
+            <a:pPr algn="ctr" latinLnBrk="0">
+              <a:lnSpc>
+                <a:spcPct val="150000"/>
+              </a:lnSpc>
+              <a:defRPr/>
+            </a:pPr>
+            <a:r>
+              <a:rPr lang="en-US" altLang="ko-KR" sz="2800" b="1" i="1" kern="0" dirty="0" smtClean="0">
+                <a:solidFill>
+                  <a:prstClr val="white"/>
+                </a:solidFill>
+              </a:rPr>
+              <a:t>NBCK</a:t>
+            </a:r>
+            <a:endParaRPr lang="ko-KR" altLang="en-US" sz="4000" kern="0" dirty="0">
+              <a:solidFill>
+                <a:prstClr val="white"/>
+              </a:solidFill>
+            </a:endParaRPr>
+          </a:p>
+        </p:txBody>
+      </p:sp>
+      <p:graphicFrame>
+        <p:nvGraphicFramePr>
+          <p:cNvPr id="8" name="표 7"/>
+          <p:cNvGraphicFramePr>
+            <a:graphicFrameLocks noGrp="1"/>
+          </p:cNvGraphicFramePr>
+          <p:nvPr>
+            <p:extLst/>
+          </p:nvPr>
+        </p:nvGraphicFramePr>
+        <p:xfrm>
+          <a:off x="194409" y="967159"/>
+          <a:ext cx="11594902" cy="243840"/>
+        </p:xfrm>
+        <a:graphic>
+          <a:graphicData uri="http://schemas.openxmlformats.org/drawingml/2006/table">
+            <a:tbl>
+              <a:tblPr firstRow="1" bandRow="1">
+                <a:tableStyleId>{5C22544A-7EE6-4342-B048-85BDC9FD1C3A}</a:tableStyleId>
+              </a:tblPr>
+              <a:tblGrid>
+                <a:gridCol w="1159490"/>
+                <a:gridCol w="1159490"/>
+                <a:gridCol w="1159490"/>
+                <a:gridCol w="1159491"/>
+                <a:gridCol w="1159490"/>
+                <a:gridCol w="1159490"/>
+                <a:gridCol w="1159490"/>
+                <a:gridCol w="1159491"/>
+                <a:gridCol w="1159490"/>
+                <a:gridCol w="1159490"/>
+              </a:tblGrid>
+              <a:tr h="227347">
+                <a:tc>
+                  <a:txBody>
+                    <a:bodyPr/>
+                    <a:lstStyle/>
+                    <a:p>
+                      <a:pPr algn="ctr" latinLnBrk="1"/>
+                      <a:r>
+                        <a:rPr lang="ko-KR" altLang="en-US" sz="1000" dirty="0" smtClean="0">
+                          <a:solidFill>
+                            <a:schemeClr val="tx1">
+                              <a:lumMod val="75000"/>
+                              <a:lumOff val="25000"/>
+                            </a:schemeClr>
+                          </a:solidFill>
+                        </a:rPr>
+                        <a:t>파일</a:t>
+                      </a:r>
+                      <a:endParaRPr lang="ko-KR" altLang="en-US" sz="1000" dirty="0">
+                        <a:solidFill>
+                          <a:schemeClr val="tx1">
+                            <a:lumMod val="75000"/>
+                            <a:lumOff val="25000"/>
+                          </a:schemeClr>
+                        </a:solidFill>
+                      </a:endParaRPr>
+                    </a:p>
+                  </a:txBody>
+                  <a:tcPr anchor="ctr">
+                    <a:lnL w="6350" cap="flat" cmpd="sng" algn="ctr">
+                      <a:solidFill>
+                        <a:srgbClr val="E4816A"/>
+                      </a:solidFill>
+                      <a:prstDash val="solid"/>
+                      <a:round/>
+                      <a:headEnd type="none" w="med" len="med"/>
+                      <a:tailEnd type="none" w="med" len="med"/>
+                    </a:lnL>
+                    <a:lnR w="6350" cap="flat" cmpd="sng" algn="ctr">
+                      <a:solidFill>
+                        <a:srgbClr val="DF694D"/>
+                      </a:solidFill>
+                      <a:prstDash val="solid"/>
+                      <a:round/>
+                      <a:headEnd type="none" w="med" len="med"/>
+                      <a:tailEnd type="none" w="med" len="med"/>
+                    </a:lnR>
+                    <a:lnT w="6350" cap="flat" cmpd="sng" algn="ctr">
+                      <a:noFill/>
+                      <a:prstDash val="solid"/>
+                      <a:round/>
+                      <a:headEnd type="none" w="med" len="med"/>
+                      <a:tailEnd type="none" w="med" len="med"/>
+                    </a:lnT>
+                    <a:lnB w="6350" cap="flat" cmpd="sng" algn="ctr">
+                      <a:noFill/>
+                      <a:prstDash val="solid"/>
+                      <a:round/>
+                      <a:headEnd type="none" w="med" len="med"/>
+                      <a:tailEnd type="none" w="med" len="med"/>
+                    </a:lnB>
+                    <a:lnTlToBr w="12700" cmpd="sng">
+                      <a:noFill/>
+                      <a:prstDash val="solid"/>
+                    </a:lnTlToBr>
+                    <a:lnBlToTr w="12700" cmpd="sng">
+                      <a:noFill/>
+                      <a:prstDash val="solid"/>
+                    </a:lnBlToTr>
+                    <a:solidFill>
+                      <a:schemeClr val="bg1"/>
+                    </a:solidFill>
+                  </a:tcPr>
+                </a:tc>
+                <a:tc>
+                  <a:txBody>
+                    <a:bodyPr/>
+                    <a:lstStyle/>
+                    <a:p>
+                      <a:pPr algn="ctr" latinLnBrk="1"/>
+                      <a:r>
+                        <a:rPr lang="ko-KR" altLang="en-US" sz="1000" b="0" dirty="0" smtClean="0">
+                          <a:solidFill>
+                            <a:schemeClr val="bg1"/>
+                          </a:solidFill>
+                        </a:rPr>
+                        <a:t>삽입</a:t>
+                      </a:r>
+                      <a:endParaRPr lang="ko-KR" altLang="en-US" sz="1000" b="0" dirty="0">
+                        <a:solidFill>
+                          <a:schemeClr val="bg1"/>
+                        </a:solidFill>
+                      </a:endParaRPr>
+                    </a:p>
+                  </a:txBody>
+                  <a:tcPr anchor="ctr">
+                    <a:lnL w="6350" cap="flat" cmpd="sng" algn="ctr">
+                      <a:solidFill>
+                        <a:srgbClr val="DF694D"/>
+                      </a:solidFill>
+                      <a:prstDash val="solid"/>
+                      <a:round/>
+                      <a:headEnd type="none" w="med" len="med"/>
+                      <a:tailEnd type="none" w="med" len="med"/>
+                    </a:lnL>
+                    <a:lnR w="6350" cap="flat" cmpd="sng" algn="ctr">
+                      <a:solidFill>
+                        <a:srgbClr val="DF694D"/>
+                      </a:solidFill>
+                      <a:prstDash val="solid"/>
+                      <a:round/>
+                      <a:headEnd type="none" w="med" len="med"/>
+                      <a:tailEnd type="none" w="med" len="med"/>
+                    </a:lnR>
+                    <a:lnT w="6350" cap="flat" cmpd="sng" algn="ctr">
+                      <a:solidFill>
+                        <a:srgbClr val="E4816A"/>
+                      </a:solidFill>
+                      <a:prstDash val="solid"/>
+                      <a:round/>
+                      <a:headEnd type="none" w="med" len="med"/>
+                      <a:tailEnd type="none" w="med" len="med"/>
+                    </a:lnT>
+                    <a:lnB w="6350" cap="flat" cmpd="sng" algn="ctr">
+                      <a:noFill/>
+                      <a:prstDash val="solid"/>
+                      <a:round/>
+                      <a:headEnd type="none" w="med" len="med"/>
+                      <a:tailEnd type="none" w="med" len="med"/>
+                    </a:lnB>
+                    <a:lnTlToBr w="12700" cmpd="sng">
+                      <a:noFill/>
+                      <a:prstDash val="solid"/>
+                    </a:lnTlToBr>
+                    <a:lnBlToTr w="12700" cmpd="sng">
+                      <a:noFill/>
+                      <a:prstDash val="solid"/>
+                    </a:lnBlToTr>
+                    <a:noFill/>
+                  </a:tcPr>
+                </a:tc>
+                <a:tc>
+                  <a:txBody>
+                    <a:bodyPr/>
+                    <a:lstStyle/>
+                    <a:p>
+                      <a:pPr algn="ctr" latinLnBrk="1"/>
+                      <a:r>
+                        <a:rPr lang="ko-KR" altLang="en-US" sz="1000" b="0" dirty="0" smtClean="0">
+                          <a:solidFill>
+                            <a:schemeClr val="bg1"/>
+                          </a:solidFill>
+                        </a:rPr>
+                        <a:t>디자인</a:t>
+                      </a:r>
+                      <a:endParaRPr lang="ko-KR" altLang="en-US" sz="1000" b="0" dirty="0">
+                        <a:solidFill>
+                          <a:schemeClr val="bg1"/>
+                        </a:solidFill>
+                      </a:endParaRPr>
+                    </a:p>
+                  </a:txBody>
+                  <a:tcPr anchor="ctr">
+                    <a:lnL w="6350" cap="flat" cmpd="sng" algn="ctr">
+                      <a:solidFill>
+                        <a:srgbClr val="DF694D"/>
+                      </a:solidFill>
+                      <a:prstDash val="solid"/>
+                      <a:round/>
+                      <a:headEnd type="none" w="med" len="med"/>
+                      <a:tailEnd type="none" w="med" len="med"/>
+                    </a:lnL>
+                    <a:lnR w="6350" cap="flat" cmpd="sng" algn="ctr">
+                      <a:solidFill>
+                        <a:srgbClr val="DF694D"/>
+                      </a:solidFill>
+                      <a:prstDash val="solid"/>
+                      <a:round/>
+                      <a:headEnd type="none" w="med" len="med"/>
+                      <a:tailEnd type="none" w="med" len="med"/>
+                    </a:lnR>
+                    <a:lnT w="6350" cap="flat" cmpd="sng" algn="ctr">
+                      <a:solidFill>
+                        <a:srgbClr val="E4816A"/>
+                      </a:solidFill>
+                      <a:prstDash val="solid"/>
+                      <a:round/>
+                      <a:headEnd type="none" w="med" len="med"/>
+                      <a:tailEnd type="none" w="med" len="med"/>
+                    </a:lnT>
+                    <a:lnB w="6350" cap="flat" cmpd="sng" algn="ctr">
+                      <a:noFill/>
+                      <a:prstDash val="solid"/>
+                      <a:round/>
+                      <a:headEnd type="none" w="med" len="med"/>
+                      <a:tailEnd type="none" w="med" len="med"/>
+                    </a:lnB>
+                    <a:lnTlToBr w="12700" cmpd="sng">
+                      <a:noFill/>
+                      <a:prstDash val="solid"/>
+                    </a:lnTlToBr>
+                    <a:lnBlToTr w="12700" cmpd="sng">
+                      <a:noFill/>
+                      <a:prstDash val="solid"/>
+                    </a:lnBlToTr>
+                    <a:noFill/>
+                  </a:tcPr>
+                </a:tc>
+                <a:tc>
+                  <a:txBody>
+                    <a:bodyPr/>
+                    <a:lstStyle/>
+                    <a:p>
+                      <a:pPr algn="ctr" latinLnBrk="1"/>
+                      <a:r>
+                        <a:rPr lang="ko-KR" altLang="en-US" sz="1000" b="0" dirty="0" smtClean="0">
+                          <a:solidFill>
+                            <a:schemeClr val="bg1"/>
+                          </a:solidFill>
+                        </a:rPr>
+                        <a:t>전환</a:t>
+                      </a:r>
+                      <a:endParaRPr lang="ko-KR" altLang="en-US" sz="1000" b="0" dirty="0">
+                        <a:solidFill>
+                          <a:schemeClr val="bg1"/>
+                        </a:solidFill>
+                      </a:endParaRPr>
+                    </a:p>
+                  </a:txBody>
+                  <a:tcPr anchor="ctr">
+                    <a:lnL w="6350" cap="flat" cmpd="sng" algn="ctr">
+                      <a:solidFill>
+                        <a:srgbClr val="DF694D"/>
+                      </a:solidFill>
+                      <a:prstDash val="solid"/>
+                      <a:round/>
+                      <a:headEnd type="none" w="med" len="med"/>
+                      <a:tailEnd type="none" w="med" len="med"/>
+                    </a:lnL>
+                    <a:lnR w="6350" cap="flat" cmpd="sng" algn="ctr">
+                      <a:solidFill>
+                        <a:srgbClr val="DF694D"/>
+                      </a:solidFill>
+                      <a:prstDash val="solid"/>
+                      <a:round/>
+                      <a:headEnd type="none" w="med" len="med"/>
+                      <a:tailEnd type="none" w="med" len="med"/>
+                    </a:lnR>
+                    <a:lnT w="6350" cap="flat" cmpd="sng" algn="ctr">
+                      <a:solidFill>
+                        <a:srgbClr val="E4816A"/>
+                      </a:solidFill>
+                      <a:prstDash val="solid"/>
+                      <a:round/>
+                      <a:headEnd type="none" w="med" len="med"/>
+                      <a:tailEnd type="none" w="med" len="med"/>
+                    </a:lnT>
+                    <a:lnB w="6350" cap="flat" cmpd="sng" algn="ctr">
+                      <a:noFill/>
+                      <a:prstDash val="solid"/>
+                      <a:round/>
+                      <a:headEnd type="none" w="med" len="med"/>
+                      <a:tailEnd type="none" w="med" len="med"/>
+                    </a:lnB>
+                    <a:lnTlToBr w="12700" cmpd="sng">
+                      <a:noFill/>
+                      <a:prstDash val="solid"/>
+                    </a:lnTlToBr>
+                    <a:lnBlToTr w="12700" cmpd="sng">
+                      <a:noFill/>
+                      <a:prstDash val="solid"/>
+                    </a:lnBlToTr>
+                    <a:noFill/>
+                  </a:tcPr>
+                </a:tc>
+                <a:tc>
+                  <a:txBody>
+                    <a:bodyPr/>
+                    <a:lstStyle/>
+                    <a:p>
+                      <a:pPr algn="ctr" latinLnBrk="1"/>
+                      <a:r>
+                        <a:rPr lang="ko-KR" altLang="en-US" sz="1000" b="0" dirty="0" smtClean="0">
+                          <a:solidFill>
+                            <a:schemeClr val="bg1"/>
+                          </a:solidFill>
+                        </a:rPr>
+                        <a:t>애니메이션</a:t>
+                      </a:r>
+                      <a:endParaRPr lang="ko-KR" altLang="en-US" sz="1000" b="0" dirty="0">
+                        <a:solidFill>
+                          <a:schemeClr val="bg1"/>
+                        </a:solidFill>
+                      </a:endParaRPr>
+                    </a:p>
+                  </a:txBody>
+                  <a:tcPr anchor="ctr">
+                    <a:lnL w="6350" cap="flat" cmpd="sng" algn="ctr">
+                      <a:solidFill>
+                        <a:srgbClr val="DF694D"/>
+                      </a:solidFill>
+                      <a:prstDash val="solid"/>
+                      <a:round/>
+                      <a:headEnd type="none" w="med" len="med"/>
+                      <a:tailEnd type="none" w="med" len="med"/>
+                    </a:lnL>
+                    <a:lnR w="6350" cap="flat" cmpd="sng" algn="ctr">
+                      <a:solidFill>
+                        <a:srgbClr val="DF694D"/>
+                      </a:solidFill>
+                      <a:prstDash val="solid"/>
+                      <a:round/>
+                      <a:headEnd type="none" w="med" len="med"/>
+                      <a:tailEnd type="none" w="med" len="med"/>
+                    </a:lnR>
+                    <a:lnT w="6350" cap="flat" cmpd="sng" algn="ctr">
+                      <a:solidFill>
+                        <a:srgbClr val="E4816A"/>
+                      </a:solidFill>
+                      <a:prstDash val="solid"/>
+                      <a:round/>
+                      <a:headEnd type="none" w="med" len="med"/>
+                      <a:tailEnd type="none" w="med" len="med"/>
+                    </a:lnT>
+                    <a:lnB w="6350" cap="flat" cmpd="sng" algn="ctr">
+                      <a:noFill/>
+                      <a:prstDash val="solid"/>
+                      <a:round/>
+                      <a:headEnd type="none" w="med" len="med"/>
+                      <a:tailEnd type="none" w="med" len="med"/>
+                    </a:lnB>
+                    <a:lnTlToBr w="12700" cmpd="sng">
+                      <a:noFill/>
+                      <a:prstDash val="solid"/>
+                    </a:lnTlToBr>
+                    <a:lnBlToTr w="12700" cmpd="sng">
+                      <a:noFill/>
+                      <a:prstDash val="solid"/>
+                    </a:lnBlToTr>
+                    <a:noFill/>
+                  </a:tcPr>
+                </a:tc>
+                <a:tc>
+                  <a:txBody>
+                    <a:bodyPr/>
+                    <a:lstStyle/>
+                    <a:p>
+                      <a:pPr algn="ctr" latinLnBrk="1"/>
+                      <a:r>
+                        <a:rPr lang="ko-KR" altLang="en-US" sz="1000" b="0" dirty="0" err="1" smtClean="0">
+                          <a:solidFill>
+                            <a:schemeClr val="bg1"/>
+                          </a:solidFill>
+                        </a:rPr>
+                        <a:t>슬라이드쇼</a:t>
+                      </a:r>
+                      <a:endParaRPr lang="ko-KR" altLang="en-US" sz="1000" b="0" dirty="0">
+                        <a:solidFill>
+                          <a:schemeClr val="bg1"/>
+                        </a:solidFill>
+                      </a:endParaRPr>
+                    </a:p>
+                  </a:txBody>
+                  <a:tcPr anchor="ctr">
+                    <a:lnL w="6350" cap="flat" cmpd="sng" algn="ctr">
+                      <a:solidFill>
+                        <a:srgbClr val="DF694D"/>
+                      </a:solidFill>
+                      <a:prstDash val="solid"/>
+                      <a:round/>
+                      <a:headEnd type="none" w="med" len="med"/>
+                      <a:tailEnd type="none" w="med" len="med"/>
+                    </a:lnL>
+                    <a:lnR w="6350" cap="flat" cmpd="sng" algn="ctr">
+                      <a:solidFill>
+                        <a:srgbClr val="DF694D"/>
+                      </a:solidFill>
+                      <a:prstDash val="solid"/>
+                      <a:round/>
+                      <a:headEnd type="none" w="med" len="med"/>
+                      <a:tailEnd type="none" w="med" len="med"/>
+                    </a:lnR>
+                    <a:lnT w="6350" cap="flat" cmpd="sng" algn="ctr">
+                      <a:solidFill>
+                        <a:srgbClr val="E4816A"/>
+                      </a:solidFill>
+                      <a:prstDash val="solid"/>
+                      <a:round/>
+                      <a:headEnd type="none" w="med" len="med"/>
+                      <a:tailEnd type="none" w="med" len="med"/>
+                    </a:lnT>
+                    <a:lnB w="6350" cap="flat" cmpd="sng" algn="ctr">
+                      <a:noFill/>
+                      <a:prstDash val="solid"/>
+                      <a:round/>
+                      <a:headEnd type="none" w="med" len="med"/>
+                      <a:tailEnd type="none" w="med" len="med"/>
+                    </a:lnB>
+                    <a:lnTlToBr w="12700" cmpd="sng">
+                      <a:noFill/>
+                      <a:prstDash val="solid"/>
+                    </a:lnTlToBr>
+                    <a:lnBlToTr w="12700" cmpd="sng">
+                      <a:noFill/>
+                      <a:prstDash val="solid"/>
+                    </a:lnBlToTr>
+                    <a:noFill/>
+                  </a:tcPr>
+                </a:tc>
+                <a:tc>
+                  <a:txBody>
+                    <a:bodyPr/>
+                    <a:lstStyle/>
+                    <a:p>
+                      <a:pPr algn="ctr" latinLnBrk="1"/>
+                      <a:r>
+                        <a:rPr lang="ko-KR" altLang="en-US" sz="1000" b="0" dirty="0" smtClean="0">
+                          <a:solidFill>
+                            <a:schemeClr val="bg1"/>
+                          </a:solidFill>
+                        </a:rPr>
+                        <a:t>검토</a:t>
+                      </a:r>
+                      <a:endParaRPr lang="ko-KR" altLang="en-US" sz="1000" b="0" dirty="0">
+                        <a:solidFill>
+                          <a:schemeClr val="bg1"/>
+                        </a:solidFill>
+                      </a:endParaRPr>
+                    </a:p>
+                  </a:txBody>
+                  <a:tcPr anchor="ctr">
+                    <a:lnL w="6350" cap="flat" cmpd="sng" algn="ctr">
+                      <a:solidFill>
+                        <a:srgbClr val="DF694D"/>
+                      </a:solidFill>
+                      <a:prstDash val="solid"/>
+                      <a:round/>
+                      <a:headEnd type="none" w="med" len="med"/>
+                      <a:tailEnd type="none" w="med" len="med"/>
+                    </a:lnL>
+                    <a:lnR w="6350" cap="flat" cmpd="sng" algn="ctr">
+                      <a:solidFill>
+                        <a:srgbClr val="DF694D"/>
+                      </a:solidFill>
+                      <a:prstDash val="solid"/>
+                      <a:round/>
+                      <a:headEnd type="none" w="med" len="med"/>
+                      <a:tailEnd type="none" w="med" len="med"/>
+                    </a:lnR>
+                    <a:lnT w="6350" cap="flat" cmpd="sng" algn="ctr">
+                      <a:solidFill>
+                        <a:srgbClr val="E4816A"/>
+                      </a:solidFill>
+                      <a:prstDash val="solid"/>
+                      <a:round/>
+                      <a:headEnd type="none" w="med" len="med"/>
+                      <a:tailEnd type="none" w="med" len="med"/>
+                    </a:lnT>
+                    <a:lnB w="6350" cap="flat" cmpd="sng" algn="ctr">
+                      <a:noFill/>
+                      <a:prstDash val="solid"/>
+                      <a:round/>
+                      <a:headEnd type="none" w="med" len="med"/>
+                      <a:tailEnd type="none" w="med" len="med"/>
+                    </a:lnB>
+                    <a:lnTlToBr w="12700" cmpd="sng">
+                      <a:noFill/>
+                      <a:prstDash val="solid"/>
+                    </a:lnTlToBr>
+                    <a:lnBlToTr w="12700" cmpd="sng">
+                      <a:noFill/>
+                      <a:prstDash val="solid"/>
+                    </a:lnBlToTr>
+                    <a:noFill/>
+                  </a:tcPr>
+                </a:tc>
+                <a:tc>
+                  <a:txBody>
+                    <a:bodyPr/>
+                    <a:lstStyle/>
+                    <a:p>
+                      <a:pPr algn="ctr" latinLnBrk="1"/>
+                      <a:r>
+                        <a:rPr lang="ko-KR" altLang="en-US" sz="1000" b="0" dirty="0" smtClean="0">
+                          <a:solidFill>
+                            <a:schemeClr val="bg1"/>
+                          </a:solidFill>
+                        </a:rPr>
+                        <a:t>도구</a:t>
+                      </a:r>
+                      <a:endParaRPr lang="ko-KR" altLang="en-US" sz="1000" b="0" dirty="0">
+                        <a:solidFill>
+                          <a:schemeClr val="bg1"/>
+                        </a:solidFill>
+                      </a:endParaRPr>
+                    </a:p>
+                  </a:txBody>
+                  <a:tcPr anchor="ctr">
+                    <a:lnL w="6350" cap="flat" cmpd="sng" algn="ctr">
+                      <a:solidFill>
+                        <a:srgbClr val="DF694D"/>
+                      </a:solidFill>
+                      <a:prstDash val="solid"/>
+                      <a:round/>
+                      <a:headEnd type="none" w="med" len="med"/>
+                      <a:tailEnd type="none" w="med" len="med"/>
+                    </a:lnL>
+                    <a:lnR w="6350" cap="flat" cmpd="sng" algn="ctr">
+                      <a:solidFill>
+                        <a:srgbClr val="DF694D"/>
+                      </a:solidFill>
+                      <a:prstDash val="solid"/>
+                      <a:round/>
+                      <a:headEnd type="none" w="med" len="med"/>
+                      <a:tailEnd type="none" w="med" len="med"/>
+                    </a:lnR>
+                    <a:lnT w="6350" cap="flat" cmpd="sng" algn="ctr">
+                      <a:solidFill>
+                        <a:srgbClr val="E4816A"/>
+                      </a:solidFill>
+                      <a:prstDash val="solid"/>
+                      <a:round/>
+                      <a:headEnd type="none" w="med" len="med"/>
+                      <a:tailEnd type="none" w="med" len="med"/>
+                    </a:lnT>
+                    <a:lnB w="6350" cap="flat" cmpd="sng" algn="ctr">
+                      <a:noFill/>
+                      <a:prstDash val="solid"/>
+                      <a:round/>
+                      <a:headEnd type="none" w="med" len="med"/>
+                      <a:tailEnd type="none" w="med" len="med"/>
+                    </a:lnB>
+                    <a:lnTlToBr w="12700" cmpd="sng">
+                      <a:noFill/>
+                      <a:prstDash val="solid"/>
+                    </a:lnTlToBr>
+                    <a:lnBlToTr w="12700" cmpd="sng">
+                      <a:noFill/>
+                      <a:prstDash val="solid"/>
+                    </a:lnBlToTr>
+                    <a:noFill/>
+                  </a:tcPr>
+                </a:tc>
+                <a:tc>
+                  <a:txBody>
+                    <a:bodyPr/>
+                    <a:lstStyle/>
+                    <a:p>
+                      <a:pPr algn="ctr" latinLnBrk="1"/>
+                      <a:r>
+                        <a:rPr lang="ko-KR" altLang="en-US" sz="1000" b="0" dirty="0" smtClean="0">
+                          <a:solidFill>
+                            <a:schemeClr val="bg1"/>
+                          </a:solidFill>
+                        </a:rPr>
+                        <a:t>서식</a:t>
+                      </a:r>
+                      <a:endParaRPr lang="ko-KR" altLang="en-US" sz="1000" b="0" dirty="0">
+                        <a:solidFill>
+                          <a:schemeClr val="bg1"/>
+                        </a:solidFill>
+                      </a:endParaRPr>
+                    </a:p>
+                  </a:txBody>
+                  <a:tcPr anchor="ctr">
+                    <a:lnL w="6350" cap="flat" cmpd="sng" algn="ctr">
+                      <a:solidFill>
+                        <a:srgbClr val="DF694D"/>
+                      </a:solidFill>
+                      <a:prstDash val="solid"/>
+                      <a:round/>
+                      <a:headEnd type="none" w="med" len="med"/>
+                      <a:tailEnd type="none" w="med" len="med"/>
+                    </a:lnL>
+                    <a:lnR w="6350" cap="flat" cmpd="sng" algn="ctr">
+                      <a:solidFill>
+                        <a:srgbClr val="DF694D"/>
+                      </a:solidFill>
+                      <a:prstDash val="solid"/>
+                      <a:round/>
+                      <a:headEnd type="none" w="med" len="med"/>
+                      <a:tailEnd type="none" w="med" len="med"/>
+                    </a:lnR>
+                    <a:lnT w="6350" cap="flat" cmpd="sng" algn="ctr">
+                      <a:solidFill>
+                        <a:srgbClr val="E4816A"/>
+                      </a:solidFill>
+                      <a:prstDash val="solid"/>
+                      <a:round/>
+                      <a:headEnd type="none" w="med" len="med"/>
+                      <a:tailEnd type="none" w="med" len="med"/>
+                    </a:lnT>
+                    <a:lnB w="6350" cap="flat" cmpd="sng" algn="ctr">
+                      <a:noFill/>
+                      <a:prstDash val="solid"/>
+                      <a:round/>
+                      <a:headEnd type="none" w="med" len="med"/>
+                      <a:tailEnd type="none" w="med" len="med"/>
+                    </a:lnB>
+                    <a:lnTlToBr w="12700" cmpd="sng">
+                      <a:noFill/>
+                      <a:prstDash val="solid"/>
+                    </a:lnTlToBr>
+                    <a:lnBlToTr w="12700" cmpd="sng">
+                      <a:noFill/>
+                      <a:prstDash val="solid"/>
+                    </a:lnBlToTr>
+                    <a:noFill/>
+                  </a:tcPr>
+                </a:tc>
+                <a:tc>
+                  <a:txBody>
+                    <a:bodyPr/>
+                    <a:lstStyle/>
+                    <a:p>
+                      <a:pPr algn="ctr" latinLnBrk="1"/>
+                      <a:r>
+                        <a:rPr lang="ko-KR" altLang="en-US" sz="1000" b="0" dirty="0" smtClean="0">
+                          <a:solidFill>
+                            <a:schemeClr val="bg1"/>
+                          </a:solidFill>
+                        </a:rPr>
+                        <a:t>조땡</a:t>
+                      </a:r>
+                      <a:endParaRPr lang="ko-KR" altLang="en-US" sz="1000" b="0" dirty="0">
+                        <a:solidFill>
+                          <a:schemeClr val="bg1"/>
+                        </a:solidFill>
+                      </a:endParaRPr>
+                    </a:p>
+                  </a:txBody>
+                  <a:tcPr anchor="ctr">
+                    <a:lnL w="6350" cap="flat" cmpd="sng" algn="ctr">
+                      <a:solidFill>
+                        <a:srgbClr val="DF694D"/>
+                      </a:solidFill>
+                      <a:prstDash val="solid"/>
+                      <a:round/>
+                      <a:headEnd type="none" w="med" len="med"/>
+                      <a:tailEnd type="none" w="med" len="med"/>
+                    </a:lnL>
+                    <a:lnR w="6350" cap="flat" cmpd="sng" algn="ctr">
+                      <a:solidFill>
+                        <a:srgbClr val="E4816A"/>
+                      </a:solidFill>
+                      <a:prstDash val="solid"/>
+                      <a:round/>
+                      <a:headEnd type="none" w="med" len="med"/>
+                      <a:tailEnd type="none" w="med" len="med"/>
+                    </a:lnR>
+                    <a:lnT w="6350" cap="flat" cmpd="sng" algn="ctr">
+                      <a:solidFill>
+                        <a:srgbClr val="E4816A"/>
+                      </a:solidFill>
+                      <a:prstDash val="solid"/>
+                      <a:round/>
+                      <a:headEnd type="none" w="med" len="med"/>
+                      <a:tailEnd type="none" w="med" len="med"/>
+                    </a:lnT>
+                    <a:lnB w="6350" cap="flat" cmpd="sng" algn="ctr">
+                      <a:noFill/>
+                      <a:prstDash val="solid"/>
+                      <a:round/>
+                      <a:headEnd type="none" w="med" len="med"/>
+                      <a:tailEnd type="none" w="med" len="med"/>
+                    </a:lnB>
+                    <a:lnTlToBr w="12700" cmpd="sng">
+                      <a:noFill/>
+                      <a:prstDash val="solid"/>
+                    </a:lnTlToBr>
+                    <a:lnBlToTr w="12700" cmpd="sng">
+                      <a:noFill/>
+                      <a:prstDash val="solid"/>
+                    </a:lnBlToTr>
+                    <a:noFill/>
+                  </a:tcPr>
+                </a:tc>
+              </a:tr>
+            </a:tbl>
+          </a:graphicData>
+        </a:graphic>
+      </p:graphicFrame>
+      <p:graphicFrame>
+        <p:nvGraphicFramePr>
+          <p:cNvPr id="12" name="표 11"/>
+          <p:cNvGraphicFramePr>
+            <a:graphicFrameLocks noGrp="1"/>
+          </p:cNvGraphicFramePr>
+          <p:nvPr>
+            <p:extLst/>
+          </p:nvPr>
+        </p:nvGraphicFramePr>
+        <p:xfrm>
+          <a:off x="11849100" y="1208563"/>
+          <a:ext cx="148490" cy="5499897"/>
+        </p:xfrm>
+        <a:graphic>
+          <a:graphicData uri="http://schemas.openxmlformats.org/drawingml/2006/table">
+            <a:tbl>
+              <a:tblPr firstRow="1" bandRow="1">
+                <a:tableStyleId>{5C22544A-7EE6-4342-B048-85BDC9FD1C3A}</a:tableStyleId>
+              </a:tblPr>
+              <a:tblGrid>
+                <a:gridCol w="148490"/>
+              </a:tblGrid>
+              <a:tr h="174115">
+                <a:tc>
+                  <a:txBody>
+                    <a:bodyPr/>
+                    <a:lstStyle/>
+                    <a:p>
+                      <a:pPr algn="ctr" latinLnBrk="1"/>
+                      <a:r>
+                        <a:rPr lang="ko-KR" altLang="en-US" sz="700" dirty="0" smtClean="0">
+                          <a:solidFill>
+                            <a:schemeClr val="tx1">
+                              <a:lumMod val="50000"/>
+                              <a:lumOff val="50000"/>
+                            </a:schemeClr>
+                          </a:solidFill>
+                        </a:rPr>
+                        <a:t>▲</a:t>
+                      </a:r>
+                      <a:endParaRPr lang="ko-KR" altLang="en-US" sz="700" dirty="0">
+                        <a:solidFill>
+                          <a:schemeClr val="tx1">
+                            <a:lumMod val="50000"/>
+                            <a:lumOff val="50000"/>
+                          </a:schemeClr>
+                        </a:solidFill>
+                      </a:endParaRPr>
+                    </a:p>
+                  </a:txBody>
+                  <a:tcPr marL="36000" marR="36000" marT="0" marB="0" anchor="ctr">
+                    <a:lnL w="9525" cap="flat" cmpd="sng" algn="ctr">
+                      <a:solidFill>
+                        <a:schemeClr val="bg1">
+                          <a:lumMod val="50000"/>
+                        </a:schemeClr>
+                      </a:solidFill>
+                      <a:prstDash val="solid"/>
+                      <a:round/>
+                      <a:headEnd type="none" w="med" len="med"/>
+                      <a:tailEnd type="none" w="med" len="med"/>
+                    </a:lnL>
+                    <a:lnR w="9525" cap="flat" cmpd="sng" algn="ctr">
+                      <a:solidFill>
+                        <a:schemeClr val="bg1">
+                          <a:lumMod val="50000"/>
+                        </a:schemeClr>
+                      </a:solidFill>
+                      <a:prstDash val="solid"/>
+                      <a:round/>
+                      <a:headEnd type="none" w="med" len="med"/>
+                      <a:tailEnd type="none" w="med" len="med"/>
+                    </a:lnR>
+                    <a:lnT w="9525" cap="flat" cmpd="sng" algn="ctr">
+                      <a:solidFill>
+                        <a:schemeClr val="bg1">
+                          <a:lumMod val="50000"/>
+                        </a:schemeClr>
+                      </a:solidFill>
+                      <a:prstDash val="solid"/>
+                      <a:round/>
+                      <a:headEnd type="none" w="med" len="med"/>
+                      <a:tailEnd type="none" w="med" len="med"/>
+                    </a:lnT>
+                    <a:lnB w="9525" cap="flat" cmpd="sng" algn="ctr">
+                      <a:solidFill>
+                        <a:schemeClr val="bg1">
+                          <a:lumMod val="50000"/>
+                        </a:schemeClr>
+                      </a:solidFill>
+                      <a:prstDash val="solid"/>
+                      <a:round/>
+                      <a:headEnd type="none" w="med" len="med"/>
+                      <a:tailEnd type="none" w="med" len="med"/>
+                    </a:lnB>
+                    <a:lnTlToBr w="12700" cmpd="sng">
+                      <a:noFill/>
+                      <a:prstDash val="solid"/>
+                    </a:lnTlToBr>
+                    <a:lnBlToTr w="12700" cmpd="sng">
+                      <a:noFill/>
+                      <a:prstDash val="solid"/>
+                    </a:lnBlToTr>
+                    <a:solidFill>
+                      <a:schemeClr val="bg1">
+                        <a:lumMod val="85000"/>
+                      </a:schemeClr>
+                    </a:solidFill>
+                  </a:tcPr>
+                </a:tc>
+              </a:tr>
+              <a:tr h="930875">
+                <a:tc>
+                  <a:txBody>
+                    <a:bodyPr/>
+                    <a:lstStyle/>
+                    <a:p>
+                      <a:pPr algn="ctr" latinLnBrk="1"/>
+                      <a:endParaRPr lang="ko-KR" altLang="en-US" sz="700" dirty="0">
+                        <a:solidFill>
+                          <a:schemeClr val="tx1">
+                            <a:lumMod val="50000"/>
+                            <a:lumOff val="50000"/>
+                          </a:schemeClr>
+                        </a:solidFill>
+                      </a:endParaRPr>
+                    </a:p>
+                  </a:txBody>
+                  <a:tcPr marL="36000" marR="36000" marT="0" marB="0" anchor="ctr">
+                    <a:lnL w="12700" cmpd="sng">
+                      <a:noFill/>
+                    </a:lnL>
+                    <a:lnR w="12700" cmpd="sng">
+                      <a:noFill/>
+                    </a:lnR>
+                    <a:lnT w="9525" cap="flat" cmpd="sng" algn="ctr">
+                      <a:solidFill>
+                        <a:schemeClr val="bg1">
+                          <a:lumMod val="50000"/>
+                        </a:schemeClr>
+                      </a:solidFill>
+                      <a:prstDash val="solid"/>
+                      <a:round/>
+                      <a:headEnd type="none" w="med" len="med"/>
+                      <a:tailEnd type="none" w="med" len="med"/>
+                    </a:lnT>
+                    <a:lnB w="12700" cmpd="sng">
+                      <a:noFill/>
+                    </a:lnB>
+                    <a:lnTlToBr w="12700" cmpd="sng">
+                      <a:noFill/>
+                      <a:prstDash val="solid"/>
+                    </a:lnTlToBr>
+                    <a:lnBlToTr w="12700" cmpd="sng">
+                      <a:noFill/>
+                      <a:prstDash val="solid"/>
+                    </a:lnBlToTr>
+                    <a:solidFill>
+                      <a:schemeClr val="bg1">
+                        <a:lumMod val="95000"/>
+                      </a:schemeClr>
+                    </a:solidFill>
+                  </a:tcPr>
+                </a:tc>
+              </a:tr>
+              <a:tr h="930875">
+                <a:tc>
+                  <a:txBody>
+                    <a:bodyPr/>
+                    <a:lstStyle/>
+                    <a:p>
+                      <a:pPr algn="ctr" latinLnBrk="1"/>
+                      <a:endParaRPr lang="ko-KR" altLang="en-US" sz="700" dirty="0">
+                        <a:solidFill>
+                          <a:schemeClr val="tx1">
+                            <a:lumMod val="50000"/>
+                            <a:lumOff val="50000"/>
+                          </a:schemeClr>
+                        </a:solidFill>
+                      </a:endParaRPr>
+                    </a:p>
+                  </a:txBody>
+                  <a:tcPr marL="36000" marR="36000" marT="0" marB="0" anchor="ctr">
+                    <a:lnL w="12700" cmpd="sng">
+                      <a:noFill/>
+                    </a:lnL>
+                    <a:lnR w="12700" cmpd="sng">
+                      <a:noFill/>
+                    </a:lnR>
+                    <a:lnT w="12700" cmpd="sng">
+                      <a:noFill/>
+                    </a:lnT>
+                    <a:lnB w="6350" cap="flat" cmpd="sng" algn="ctr">
+                      <a:solidFill>
+                        <a:schemeClr val="bg1">
+                          <a:lumMod val="50000"/>
+                        </a:schemeClr>
+                      </a:solidFill>
+                      <a:prstDash val="solid"/>
+                      <a:round/>
+                      <a:headEnd type="none" w="med" len="med"/>
+                      <a:tailEnd type="none" w="med" len="med"/>
+                    </a:lnB>
+                    <a:lnTlToBr w="12700" cmpd="sng">
+                      <a:noFill/>
+                      <a:prstDash val="solid"/>
+                    </a:lnTlToBr>
+                    <a:lnBlToTr w="12700" cmpd="sng">
+                      <a:noFill/>
+                      <a:prstDash val="solid"/>
+                    </a:lnBlToTr>
+                    <a:solidFill>
+                      <a:schemeClr val="bg1">
+                        <a:lumMod val="95000"/>
+                      </a:schemeClr>
+                    </a:solidFill>
+                  </a:tcPr>
+                </a:tc>
+              </a:tr>
+              <a:tr h="930875">
+                <a:tc>
+                  <a:txBody>
+                    <a:bodyPr/>
+                    <a:lstStyle/>
+                    <a:p>
+                      <a:pPr algn="ctr" latinLnBrk="1"/>
+                      <a:endParaRPr lang="ko-KR" altLang="en-US" sz="700" dirty="0">
+                        <a:solidFill>
+                          <a:schemeClr val="tx1">
+                            <a:lumMod val="50000"/>
+                            <a:lumOff val="50000"/>
+                          </a:schemeClr>
+                        </a:solidFill>
+                      </a:endParaRPr>
+                    </a:p>
+                  </a:txBody>
+                  <a:tcPr marL="36000" marR="36000" marT="0" marB="0" anchor="ctr">
+                    <a:lnL w="6350" cap="flat" cmpd="sng" algn="ctr">
+                      <a:solidFill>
+                        <a:schemeClr val="bg1">
+                          <a:lumMod val="50000"/>
+                        </a:schemeClr>
+                      </a:solidFill>
+                      <a:prstDash val="solid"/>
+                      <a:round/>
+                      <a:headEnd type="none" w="med" len="med"/>
+                      <a:tailEnd type="none" w="med" len="med"/>
+                    </a:lnL>
+                    <a:lnR w="6350" cap="flat" cmpd="sng" algn="ctr">
+                      <a:solidFill>
+                        <a:schemeClr val="bg1">
+                          <a:lumMod val="50000"/>
+                        </a:schemeClr>
+                      </a:solidFill>
+                      <a:prstDash val="solid"/>
+                      <a:round/>
+                      <a:headEnd type="none" w="med" len="med"/>
+                      <a:tailEnd type="none" w="med" len="med"/>
+                    </a:lnR>
+                    <a:lnT w="6350" cap="flat" cmpd="sng" algn="ctr">
+                      <a:solidFill>
+                        <a:schemeClr val="bg1">
+                          <a:lumMod val="50000"/>
+                        </a:schemeClr>
+                      </a:solidFill>
+                      <a:prstDash val="solid"/>
+                      <a:round/>
+                      <a:headEnd type="none" w="med" len="med"/>
+                      <a:tailEnd type="none" w="med" len="med"/>
+                    </a:lnT>
+                    <a:lnB w="6350" cap="flat" cmpd="sng" algn="ctr">
+                      <a:solidFill>
+                        <a:schemeClr val="bg1">
+                          <a:lumMod val="50000"/>
+                        </a:schemeClr>
+                      </a:solidFill>
+                      <a:prstDash val="solid"/>
+                      <a:round/>
+                      <a:headEnd type="none" w="med" len="med"/>
+                      <a:tailEnd type="none" w="med" len="med"/>
+                    </a:lnB>
+                    <a:lnTlToBr w="12700" cmpd="sng">
+                      <a:noFill/>
+                      <a:prstDash val="solid"/>
+                    </a:lnTlToBr>
+                    <a:lnBlToTr w="12700" cmpd="sng">
+                      <a:noFill/>
+                      <a:prstDash val="solid"/>
+                    </a:lnBlToTr>
+                    <a:solidFill>
+                      <a:schemeClr val="bg1">
+                        <a:lumMod val="95000"/>
+                      </a:schemeClr>
+                    </a:solidFill>
+                  </a:tcPr>
+                </a:tc>
+              </a:tr>
+              <a:tr h="2389306">
+                <a:tc>
+                  <a:txBody>
+                    <a:bodyPr/>
+                    <a:lstStyle/>
+                    <a:p>
+                      <a:pPr algn="ctr" latinLnBrk="1"/>
+                      <a:endParaRPr lang="ko-KR" altLang="en-US" sz="700" dirty="0">
+                        <a:solidFill>
+                          <a:schemeClr val="tx1">
+                            <a:lumMod val="50000"/>
+                            <a:lumOff val="50000"/>
+                          </a:schemeClr>
+                        </a:solidFill>
+                      </a:endParaRPr>
+                    </a:p>
+                  </a:txBody>
+                  <a:tcPr marL="36000" marR="36000" marT="0" marB="0" anchor="ctr">
+                    <a:lnL w="12700" cmpd="sng">
+                      <a:noFill/>
+                    </a:lnL>
+                    <a:lnR w="12700" cmpd="sng">
+                      <a:noFill/>
+                    </a:lnR>
+                    <a:lnT w="6350" cap="flat" cmpd="sng" algn="ctr">
+                      <a:solidFill>
+                        <a:schemeClr val="bg1">
+                          <a:lumMod val="50000"/>
+                        </a:schemeClr>
+                      </a:solidFill>
+                      <a:prstDash val="solid"/>
+                      <a:round/>
+                      <a:headEnd type="none" w="med" len="med"/>
+                      <a:tailEnd type="none" w="med" len="med"/>
+                    </a:lnT>
+                    <a:lnB w="9525" cap="flat" cmpd="sng" algn="ctr">
+                      <a:solidFill>
+                        <a:schemeClr val="bg1">
+                          <a:lumMod val="50000"/>
+                        </a:schemeClr>
+                      </a:solidFill>
+                      <a:prstDash val="solid"/>
+                      <a:round/>
+                      <a:headEnd type="none" w="med" len="med"/>
+                      <a:tailEnd type="none" w="med" len="med"/>
+                    </a:lnB>
+                    <a:lnTlToBr w="12700" cmpd="sng">
+                      <a:noFill/>
+                      <a:prstDash val="solid"/>
+                    </a:lnTlToBr>
+                    <a:lnBlToTr w="12700" cmpd="sng">
+                      <a:noFill/>
+                      <a:prstDash val="solid"/>
+                    </a:lnBlToTr>
+                    <a:solidFill>
+                      <a:schemeClr val="bg1">
+                        <a:lumMod val="95000"/>
+                      </a:schemeClr>
+                    </a:solidFill>
+                  </a:tcPr>
+                </a:tc>
+              </a:tr>
+              <a:tr h="143851">
+                <a:tc>
+                  <a:txBody>
+                    <a:bodyPr/>
+                    <a:lstStyle/>
+                    <a:p>
+                      <a:pPr algn="ctr" latinLnBrk="1"/>
+                      <a:r>
+                        <a:rPr lang="ko-KR" altLang="en-US" sz="700" dirty="0" smtClean="0">
+                          <a:solidFill>
+                            <a:schemeClr val="tx1">
+                              <a:lumMod val="50000"/>
+                              <a:lumOff val="50000"/>
+                            </a:schemeClr>
+                          </a:solidFill>
+                        </a:rPr>
+                        <a:t>▼</a:t>
+                      </a:r>
+                      <a:endParaRPr lang="ko-KR" altLang="en-US" sz="700" dirty="0">
+                        <a:solidFill>
+                          <a:schemeClr val="tx1">
+                            <a:lumMod val="50000"/>
+                            <a:lumOff val="50000"/>
+                          </a:schemeClr>
+                        </a:solidFill>
+                      </a:endParaRPr>
+                    </a:p>
+                  </a:txBody>
+                  <a:tcPr marL="36000" marR="36000" marT="0" marB="0" anchor="ctr">
+                    <a:lnL w="9525" cap="flat" cmpd="sng" algn="ctr">
+                      <a:solidFill>
+                        <a:schemeClr val="bg1">
+                          <a:lumMod val="50000"/>
+                        </a:schemeClr>
+                      </a:solidFill>
+                      <a:prstDash val="solid"/>
+                      <a:round/>
+                      <a:headEnd type="none" w="med" len="med"/>
+                      <a:tailEnd type="none" w="med" len="med"/>
+                    </a:lnL>
+                    <a:lnR w="9525" cap="flat" cmpd="sng" algn="ctr">
+                      <a:solidFill>
+                        <a:schemeClr val="bg1">
+                          <a:lumMod val="50000"/>
+                        </a:schemeClr>
+                      </a:solidFill>
+                      <a:prstDash val="solid"/>
+                      <a:round/>
+                      <a:headEnd type="none" w="med" len="med"/>
+                      <a:tailEnd type="none" w="med" len="med"/>
+                    </a:lnR>
+                    <a:lnT w="9525" cap="flat" cmpd="sng" algn="ctr">
+                      <a:solidFill>
+                        <a:schemeClr val="bg1">
+                          <a:lumMod val="50000"/>
+                        </a:schemeClr>
+                      </a:solidFill>
+                      <a:prstDash val="solid"/>
+                      <a:round/>
+                      <a:headEnd type="none" w="med" len="med"/>
+                      <a:tailEnd type="none" w="med" len="med"/>
+                    </a:lnT>
+                    <a:lnB w="9525" cap="flat" cmpd="sng" algn="ctr">
+                      <a:solidFill>
+                        <a:schemeClr val="bg1">
+                          <a:lumMod val="50000"/>
+                        </a:schemeClr>
+                      </a:solidFill>
+                      <a:prstDash val="solid"/>
+                      <a:round/>
+                      <a:headEnd type="none" w="med" len="med"/>
+                      <a:tailEnd type="none" w="med" len="med"/>
+                    </a:lnB>
+                    <a:lnTlToBr w="12700" cmpd="sng">
+                      <a:noFill/>
+                      <a:prstDash val="solid"/>
+                    </a:lnTlToBr>
+                    <a:lnBlToTr w="12700" cmpd="sng">
+                      <a:noFill/>
+                      <a:prstDash val="solid"/>
+                    </a:lnBlToTr>
+                    <a:solidFill>
+                      <a:schemeClr val="bg1">
+                        <a:lumMod val="95000"/>
+                      </a:schemeClr>
+                    </a:solidFill>
+                  </a:tcPr>
+                </a:tc>
+              </a:tr>
+            </a:tbl>
+          </a:graphicData>
+        </a:graphic>
+      </p:graphicFrame>
+      <p:cxnSp>
+        <p:nvCxnSpPr>
+          <p:cNvPr id="4" name="직선 연결선 3"/>
+          <p:cNvCxnSpPr/>
+          <p:nvPr/>
+        </p:nvCxnSpPr>
+        <p:spPr>
+          <a:xfrm>
+            <a:off x="10189949" y="6779740"/>
+            <a:ext cx="1152000" cy="0"/>
+          </a:xfrm>
+          <a:prstGeom prst="line">
+            <a:avLst/>
+          </a:prstGeom>
+          <a:ln>
+            <a:solidFill>
+              <a:schemeClr val="bg1"/>
+            </a:solidFill>
+          </a:ln>
+        </p:spPr>
+        <p:style>
+          <a:lnRef idx="1">
+            <a:schemeClr val="accent1"/>
+          </a:lnRef>
+          <a:fillRef idx="0">
+            <a:schemeClr val="accent1"/>
+          </a:fillRef>
+          <a:effectRef idx="0">
+            <a:schemeClr val="accent1"/>
+          </a:effectRef>
+          <a:fontRef idx="minor">
+            <a:schemeClr val="tx1"/>
+          </a:fontRef>
+        </p:style>
+      </p:cxnSp>
+      <p:sp>
+        <p:nvSpPr>
+          <p:cNvPr id="11" name="직사각형 10"/>
+          <p:cNvSpPr/>
+          <p:nvPr/>
+        </p:nvSpPr>
+        <p:spPr>
+          <a:xfrm>
+            <a:off x="10372722" y="6741800"/>
+            <a:ext cx="18000" cy="72000"/>
+          </a:xfrm>
+          <a:prstGeom prst="rect">
+            <a:avLst/>
+          </a:prstGeom>
+          <a:solidFill>
+            <a:schemeClr val="bg1"/>
+          </a:solidFill>
+          <a:ln>
+            <a:noFill/>
+          </a:ln>
+        </p:spPr>
+        <p:style>
+          <a:lnRef idx="2">
+            <a:schemeClr val="accent1">
+              <a:shade val="50000"/>
+            </a:schemeClr>
+          </a:lnRef>
+          <a:fillRef idx="1">
+            <a:schemeClr val="accent1"/>
+          </a:fillRef>
+          <a:effectRef idx="0">
+            <a:schemeClr val="accent1"/>
+          </a:effectRef>
+          <a:fontRef idx="minor">
+            <a:schemeClr val="lt1"/>
+          </a:fontRef>
+        </p:style>
+        <p:txBody>
+          <a:bodyPr rtlCol="0" anchor="ctr"/>
+          <a:lstStyle/>
+          <a:p>
+            <a:pPr algn="ctr"/>
+            <a:endParaRPr lang="ko-KR" altLang="en-US">
+              <a:solidFill>
+                <a:prstClr val="white"/>
+              </a:solidFill>
+            </a:endParaRPr>
+          </a:p>
+        </p:txBody>
+      </p:sp>
+      <p:sp>
+        <p:nvSpPr>
+          <p:cNvPr id="13" name="TextBox 12"/>
+          <p:cNvSpPr txBox="1"/>
+          <p:nvPr/>
+        </p:nvSpPr>
+        <p:spPr>
+          <a:xfrm>
+            <a:off x="11382688" y="6743721"/>
+            <a:ext cx="304800" cy="92333"/>
+          </a:xfrm>
+          <a:prstGeom prst="rect">
+            <a:avLst/>
+          </a:prstGeom>
+          <a:noFill/>
+        </p:spPr>
+        <p:txBody>
+          <a:bodyPr wrap="square" lIns="0" tIns="0" rIns="0" bIns="0" rtlCol="0">
+            <a:spAutoFit/>
+          </a:bodyPr>
+          <a:lstStyle/>
+          <a:p>
+            <a:pPr algn="ctr"/>
+            <a:r>
+              <a:rPr lang="en-US" altLang="ko-KR" sz="600" b="1" dirty="0">
+                <a:solidFill>
+                  <a:prstClr val="white"/>
+                </a:solidFill>
+              </a:rPr>
+              <a:t>10 %</a:t>
+            </a:r>
+            <a:endParaRPr lang="ko-KR" altLang="en-US" sz="600" b="1" dirty="0">
+              <a:solidFill>
+                <a:prstClr val="white"/>
+              </a:solidFill>
+            </a:endParaRPr>
+          </a:p>
+        </p:txBody>
+      </p:sp>
+      <p:pic>
+        <p:nvPicPr>
+          <p:cNvPr id="2054" name="Picture 6" descr="ì¸ì¬í  ëë ê³µìíGIF | ì¸ì¤í°ì¦"/>
+          <p:cNvPicPr>
+            <a:picLocks noChangeAspect="1" noChangeArrowheads="1"/>
+          </p:cNvPicPr>
+          <p:nvPr/>
+        </p:nvPicPr>
+        <p:blipFill>
+          <a:blip r:embed="rId2">
+            <a:extLst>
+              <a:ext uri="{28A0092B-C50C-407E-A947-70E740481C1C}">
+                <a14:useLocalDpi xmlns:a14="http://schemas.microsoft.com/office/drawing/2010/main" val="0"/>
+              </a:ext>
+            </a:extLst>
+          </a:blip>
+          <a:srcRect/>
+          <a:stretch>
+            <a:fillRect/>
+          </a:stretch>
+        </p:blipFill>
+        <p:spPr bwMode="auto">
+          <a:xfrm>
+            <a:off x="3988539" y="1784957"/>
+            <a:ext cx="3952962" cy="3952964"/>
+          </a:xfrm>
+          <a:prstGeom prst="rect">
+            <a:avLst/>
+          </a:prstGeom>
+          <a:noFill/>
+          <a:extLst>
+            <a:ext uri="{909E8E84-426E-40DD-AFC4-6F175D3DCCD1}">
+              <a14:hiddenFill xmlns:a14="http://schemas.microsoft.com/office/drawing/2010/main">
+                <a:solidFill>
+                  <a:srgbClr val="FFFFFF"/>
+                </a:solidFill>
+              </a14:hiddenFill>
+            </a:ext>
+          </a:extLst>
+        </p:spPr>
+      </p:pic>
+    </p:spTree>
+    <p:extLst>
+      <p:ext uri="{BB962C8B-B14F-4D97-AF65-F5344CB8AC3E}">
+        <p14:creationId xmlns:p14="http://schemas.microsoft.com/office/powerpoint/2010/main" val="3403911765"/>
+      </p:ext>
+    </p:extLst>
+  </p:cSld>
+  <p:clrMapOvr>
+    <a:masterClrMapping/>
+  </p:clrMapOvr>
+  <p:timing>
+    <p:tnLst>
+      <p:par>
         <p:cTn id="1" dur="indefinite" restart="never" nodeType="tmRoot"/>
       </p:par>
     </p:tnLst>
@@ -15818,7 +18224,7 @@
 </p:sld>
 </file>
 
-<file path=ppt/slides/slide8.xml><?xml version="1.0" encoding="utf-8"?>
+<file path=ppt/slides/slide9.xml><?xml version="1.0" encoding="utf-8"?>
 <p:sld xmlns:a="http://schemas.openxmlformats.org/drawingml/2006/main" xmlns:r="http://schemas.openxmlformats.org/officeDocument/2006/relationships" xmlns:p="http://schemas.openxmlformats.org/presentationml/2006/main">
   <p:cSld>
     <p:spTree>

--- a/개발 환경.pptx
+++ b/개발 환경.pptx
@@ -205,7 +205,7 @@
           <a:p>
             <a:fld id="{0F969CAD-9B69-4BF3-B3B7-F01A2D23E4A2}" type="datetimeFigureOut">
               <a:rPr lang="ko-KR" altLang="en-US" smtClean="0"/>
-              <a:t>2020-02-06</a:t>
+              <a:t>2020-02-07</a:t>
             </a:fld>
             <a:endParaRPr lang="ko-KR" altLang="en-US"/>
           </a:p>
@@ -553,15 +553,6 @@
               </a:rPr>
               <a:t>. </a:t>
             </a:r>
-            <a:endParaRPr lang="en-US" altLang="ko-KR" sz="1200" b="0" i="0" kern="1200" dirty="0" smtClean="0">
-              <a:solidFill>
-                <a:schemeClr val="tx1"/>
-              </a:solidFill>
-              <a:effectLst/>
-              <a:latin typeface="+mn-lt"/>
-              <a:ea typeface="+mn-ea"/>
-              <a:cs typeface="+mn-cs"/>
-            </a:endParaRPr>
           </a:p>
           <a:p>
             <a:endParaRPr lang="en-US" altLang="ko-KR" sz="1200" b="0" i="0" kern="1200" dirty="0" smtClean="0">
@@ -612,7 +603,7 @@
               <a:t> </a:t>
             </a:r>
             <a:r>
-              <a:rPr lang="en-US" altLang="ko-KR" sz="1200" b="0" i="0" kern="1200" dirty="0" smtClean="0">
+              <a:rPr lang="en-US" altLang="ko-KR" sz="1200" b="0" i="0" kern="1200" smtClean="0">
                 <a:solidFill>
                   <a:schemeClr val="tx1"/>
                 </a:solidFill>
@@ -621,10 +612,10 @@
                 <a:ea typeface="+mn-ea"/>
                 <a:cs typeface="+mn-cs"/>
               </a:rPr>
-              <a:t>Segmentation</a:t>
-            </a:r>
-            <a:r>
-              <a:rPr lang="ko-KR" altLang="en-US" sz="1200" b="0" i="0" kern="1200" dirty="0" smtClean="0">
+              <a:t>Segmentation problem</a:t>
+            </a:r>
+            <a:r>
+              <a:rPr lang="ko-KR" altLang="en-US" sz="1200" b="0" i="0" kern="1200" smtClean="0">
                 <a:solidFill>
                   <a:schemeClr val="tx1"/>
                 </a:solidFill>
@@ -754,324 +745,6 @@
               <a:ea typeface="+mn-ea"/>
               <a:cs typeface="+mn-cs"/>
             </a:endParaRPr>
-          </a:p>
-          <a:p>
-            <a:r>
-              <a:rPr lang="en-US" altLang="ko-KR" sz="1200" b="1" i="0" kern="1200" dirty="0" smtClean="0">
-                <a:solidFill>
-                  <a:schemeClr val="tx1"/>
-                </a:solidFill>
-                <a:effectLst/>
-                <a:latin typeface="+mn-lt"/>
-                <a:ea typeface="+mn-ea"/>
-                <a:cs typeface="+mn-cs"/>
-              </a:rPr>
-              <a:t>Classification</a:t>
-            </a:r>
-            <a:r>
-              <a:rPr lang="ko-KR" altLang="en-US" sz="1200" b="0" i="0" kern="1200" dirty="0" smtClean="0">
-                <a:solidFill>
-                  <a:schemeClr val="tx1"/>
-                </a:solidFill>
-                <a:effectLst/>
-                <a:latin typeface="+mn-lt"/>
-                <a:ea typeface="+mn-ea"/>
-                <a:cs typeface="+mn-cs"/>
-              </a:rPr>
-              <a:t> </a:t>
-            </a:r>
-            <a:r>
-              <a:rPr lang="en-US" altLang="ko-KR" sz="1200" b="0" i="0" kern="1200" dirty="0" smtClean="0">
-                <a:solidFill>
-                  <a:schemeClr val="tx1"/>
-                </a:solidFill>
-                <a:effectLst/>
-                <a:latin typeface="+mn-lt"/>
-                <a:ea typeface="+mn-ea"/>
-                <a:cs typeface="+mn-cs"/>
-              </a:rPr>
-              <a:t>(</a:t>
-            </a:r>
-            <a:r>
-              <a:rPr lang="ko-KR" altLang="en-US" sz="1200" b="0" i="0" kern="1200" dirty="0" smtClean="0">
-                <a:solidFill>
-                  <a:schemeClr val="tx1"/>
-                </a:solidFill>
-                <a:effectLst/>
-                <a:latin typeface="+mn-lt"/>
-                <a:ea typeface="+mn-ea"/>
-                <a:cs typeface="+mn-cs"/>
-              </a:rPr>
-              <a:t>분류</a:t>
-            </a:r>
-            <a:r>
-              <a:rPr lang="en-US" altLang="ko-KR" sz="1200" b="0" i="0" kern="1200" dirty="0" smtClean="0">
-                <a:solidFill>
-                  <a:schemeClr val="tx1"/>
-                </a:solidFill>
-                <a:effectLst/>
-                <a:latin typeface="+mn-lt"/>
-                <a:ea typeface="+mn-ea"/>
-                <a:cs typeface="+mn-cs"/>
-              </a:rPr>
-              <a:t>): </a:t>
-            </a:r>
-          </a:p>
-          <a:p>
-            <a:r>
-              <a:rPr lang="ko-KR" altLang="en-US" sz="1200" b="0" i="0" kern="1200" dirty="0" smtClean="0">
-                <a:solidFill>
-                  <a:schemeClr val="tx1"/>
-                </a:solidFill>
-                <a:effectLst/>
-                <a:latin typeface="+mn-lt"/>
-                <a:ea typeface="+mn-ea"/>
-                <a:cs typeface="+mn-cs"/>
-              </a:rPr>
-              <a:t>인풋에 대해서 하나의 레이블을 예측하는 작업</a:t>
-            </a:r>
-            <a:r>
-              <a:rPr lang="en-US" altLang="ko-KR" sz="1200" b="0" i="0" kern="1200" dirty="0" smtClean="0">
-                <a:solidFill>
-                  <a:schemeClr val="tx1"/>
-                </a:solidFill>
-                <a:effectLst/>
-                <a:latin typeface="+mn-lt"/>
-                <a:ea typeface="+mn-ea"/>
-                <a:cs typeface="+mn-cs"/>
-              </a:rPr>
-              <a:t>.</a:t>
-            </a:r>
-            <a:br>
-              <a:rPr lang="en-US" altLang="ko-KR" sz="1200" b="0" i="0" kern="1200" dirty="0" smtClean="0">
-                <a:solidFill>
-                  <a:schemeClr val="tx1"/>
-                </a:solidFill>
-                <a:effectLst/>
-                <a:latin typeface="+mn-lt"/>
-                <a:ea typeface="+mn-ea"/>
-                <a:cs typeface="+mn-cs"/>
-              </a:rPr>
-            </a:br>
-            <a:r>
-              <a:rPr lang="en-US" altLang="ko-KR" sz="1200" b="0" i="0" kern="1200" dirty="0" err="1" smtClean="0">
-                <a:solidFill>
-                  <a:schemeClr val="tx1"/>
-                </a:solidFill>
-                <a:effectLst/>
-                <a:latin typeface="+mn-lt"/>
-                <a:ea typeface="+mn-ea"/>
-                <a:cs typeface="+mn-cs"/>
-              </a:rPr>
-              <a:t>AlexNet</a:t>
-            </a:r>
-            <a:r>
-              <a:rPr lang="en-US" altLang="ko-KR" sz="1200" b="0" i="0" kern="1200" dirty="0" smtClean="0">
-                <a:solidFill>
-                  <a:schemeClr val="tx1"/>
-                </a:solidFill>
-                <a:effectLst/>
-                <a:latin typeface="+mn-lt"/>
-                <a:ea typeface="+mn-ea"/>
-                <a:cs typeface="+mn-cs"/>
-              </a:rPr>
-              <a:t>, </a:t>
-            </a:r>
-            <a:r>
-              <a:rPr lang="en-US" altLang="ko-KR" sz="1200" b="0" i="0" kern="1200" dirty="0" err="1" smtClean="0">
-                <a:solidFill>
-                  <a:schemeClr val="tx1"/>
-                </a:solidFill>
-                <a:effectLst/>
-                <a:latin typeface="+mn-lt"/>
-                <a:ea typeface="+mn-ea"/>
-                <a:cs typeface="+mn-cs"/>
-              </a:rPr>
-              <a:t>ResNet</a:t>
-            </a:r>
-            <a:r>
-              <a:rPr lang="en-US" altLang="ko-KR" sz="1200" b="0" i="0" kern="1200" dirty="0" smtClean="0">
-                <a:solidFill>
-                  <a:schemeClr val="tx1"/>
-                </a:solidFill>
-                <a:effectLst/>
-                <a:latin typeface="+mn-lt"/>
-                <a:ea typeface="+mn-ea"/>
-                <a:cs typeface="+mn-cs"/>
-              </a:rPr>
-              <a:t>, </a:t>
-            </a:r>
-            <a:r>
-              <a:rPr lang="en-US" altLang="ko-KR" sz="1200" b="0" i="0" kern="1200" dirty="0" err="1" smtClean="0">
-                <a:solidFill>
-                  <a:schemeClr val="tx1"/>
-                </a:solidFill>
-                <a:effectLst/>
-                <a:latin typeface="+mn-lt"/>
-                <a:ea typeface="+mn-ea"/>
-                <a:cs typeface="+mn-cs"/>
-              </a:rPr>
-              <a:t>Xception</a:t>
-            </a:r>
-            <a:r>
-              <a:rPr lang="en-US" altLang="ko-KR" sz="1200" b="0" i="0" kern="1200" dirty="0" smtClean="0">
-                <a:solidFill>
-                  <a:schemeClr val="tx1"/>
-                </a:solidFill>
-                <a:effectLst/>
-                <a:latin typeface="+mn-lt"/>
-                <a:ea typeface="+mn-ea"/>
-                <a:cs typeface="+mn-cs"/>
-              </a:rPr>
-              <a:t> </a:t>
-            </a:r>
-            <a:r>
-              <a:rPr lang="ko-KR" altLang="en-US" sz="1200" b="0" i="0" kern="1200" dirty="0" smtClean="0">
-                <a:solidFill>
-                  <a:schemeClr val="tx1"/>
-                </a:solidFill>
-                <a:effectLst/>
-                <a:latin typeface="+mn-lt"/>
-                <a:ea typeface="+mn-ea"/>
-                <a:cs typeface="+mn-cs"/>
-              </a:rPr>
-              <a:t>등의 모델</a:t>
-            </a:r>
-          </a:p>
-          <a:p>
-            <a:r>
-              <a:rPr lang="en-US" altLang="ko-KR" sz="1200" b="1" i="0" kern="1200" dirty="0" smtClean="0">
-                <a:solidFill>
-                  <a:schemeClr val="tx1"/>
-                </a:solidFill>
-                <a:effectLst/>
-                <a:latin typeface="+mn-lt"/>
-                <a:ea typeface="+mn-ea"/>
-                <a:cs typeface="+mn-cs"/>
-              </a:rPr>
-              <a:t>Localization/Detection</a:t>
-            </a:r>
-            <a:r>
-              <a:rPr lang="ko-KR" altLang="en-US" sz="1200" b="0" i="0" kern="1200" dirty="0" smtClean="0">
-                <a:solidFill>
-                  <a:schemeClr val="tx1"/>
-                </a:solidFill>
-                <a:effectLst/>
-                <a:latin typeface="+mn-lt"/>
-                <a:ea typeface="+mn-ea"/>
-                <a:cs typeface="+mn-cs"/>
-              </a:rPr>
-              <a:t> </a:t>
-            </a:r>
-            <a:r>
-              <a:rPr lang="en-US" altLang="ko-KR" sz="1200" b="0" i="0" kern="1200" dirty="0" smtClean="0">
-                <a:solidFill>
-                  <a:schemeClr val="tx1"/>
-                </a:solidFill>
-                <a:effectLst/>
-                <a:latin typeface="+mn-lt"/>
-                <a:ea typeface="+mn-ea"/>
-                <a:cs typeface="+mn-cs"/>
-              </a:rPr>
-              <a:t>(</a:t>
-            </a:r>
-            <a:r>
-              <a:rPr lang="ko-KR" altLang="en-US" sz="1200" b="0" i="0" kern="1200" dirty="0" smtClean="0">
-                <a:solidFill>
-                  <a:schemeClr val="tx1"/>
-                </a:solidFill>
-                <a:effectLst/>
-                <a:latin typeface="+mn-lt"/>
-                <a:ea typeface="+mn-ea"/>
-                <a:cs typeface="+mn-cs"/>
-              </a:rPr>
-              <a:t>발견</a:t>
-            </a:r>
-            <a:r>
-              <a:rPr lang="en-US" altLang="ko-KR" sz="1200" b="0" i="0" kern="1200" dirty="0" smtClean="0">
-                <a:solidFill>
-                  <a:schemeClr val="tx1"/>
-                </a:solidFill>
-                <a:effectLst/>
-                <a:latin typeface="+mn-lt"/>
-                <a:ea typeface="+mn-ea"/>
-                <a:cs typeface="+mn-cs"/>
-              </a:rPr>
-              <a:t>): </a:t>
-            </a:r>
-          </a:p>
-          <a:p>
-            <a:r>
-              <a:rPr lang="ko-KR" altLang="en-US" sz="1200" b="0" i="0" kern="1200" dirty="0" smtClean="0">
-                <a:solidFill>
-                  <a:schemeClr val="tx1"/>
-                </a:solidFill>
-                <a:effectLst/>
-                <a:latin typeface="+mn-lt"/>
-                <a:ea typeface="+mn-ea"/>
-                <a:cs typeface="+mn-cs"/>
-              </a:rPr>
-              <a:t>물체의 레이블을 예측하면서 그 물체가 어디에 있는지 정보를 제공</a:t>
-            </a:r>
-            <a:r>
-              <a:rPr lang="en-US" altLang="ko-KR" sz="1200" b="0" i="0" kern="1200" dirty="0" smtClean="0">
-                <a:solidFill>
-                  <a:schemeClr val="tx1"/>
-                </a:solidFill>
-                <a:effectLst/>
-                <a:latin typeface="+mn-lt"/>
-                <a:ea typeface="+mn-ea"/>
-                <a:cs typeface="+mn-cs"/>
-              </a:rPr>
-              <a:t>. </a:t>
-            </a:r>
-            <a:r>
-              <a:rPr lang="ko-KR" altLang="en-US" sz="1200" b="0" i="0" kern="1200" dirty="0" smtClean="0">
-                <a:solidFill>
-                  <a:schemeClr val="tx1"/>
-                </a:solidFill>
-                <a:effectLst/>
-                <a:latin typeface="+mn-lt"/>
-                <a:ea typeface="+mn-ea"/>
-                <a:cs typeface="+mn-cs"/>
-              </a:rPr>
-              <a:t>물체가 있는 곳에 네모를 그리는 등</a:t>
-            </a:r>
-            <a:br>
-              <a:rPr lang="ko-KR" altLang="en-US" sz="1200" b="0" i="0" kern="1200" dirty="0" smtClean="0">
-                <a:solidFill>
-                  <a:schemeClr val="tx1"/>
-                </a:solidFill>
-                <a:effectLst/>
-                <a:latin typeface="+mn-lt"/>
-                <a:ea typeface="+mn-ea"/>
-                <a:cs typeface="+mn-cs"/>
-              </a:rPr>
-            </a:br>
-            <a:r>
-              <a:rPr lang="en-US" altLang="ko-KR" sz="1200" b="0" i="0" kern="1200" dirty="0" smtClean="0">
-                <a:solidFill>
-                  <a:schemeClr val="tx1"/>
-                </a:solidFill>
-                <a:effectLst/>
-                <a:latin typeface="+mn-lt"/>
-                <a:ea typeface="+mn-ea"/>
-                <a:cs typeface="+mn-cs"/>
-              </a:rPr>
-              <a:t>YOLO, R-CNN </a:t>
-            </a:r>
-            <a:r>
-              <a:rPr lang="ko-KR" altLang="en-US" sz="1200" b="0" i="0" kern="1200" dirty="0" smtClean="0">
-                <a:solidFill>
-                  <a:schemeClr val="tx1"/>
-                </a:solidFill>
-                <a:effectLst/>
-                <a:latin typeface="+mn-lt"/>
-                <a:ea typeface="+mn-ea"/>
-                <a:cs typeface="+mn-cs"/>
-              </a:rPr>
-              <a:t>등의 모델</a:t>
-            </a:r>
           </a:p>
           <a:p>
             <a:r>
@@ -1648,6 +1321,65 @@
               <a:rPr lang="ko-KR" altLang="ko-KR" dirty="0" err="1" smtClean="0"/>
               <a:t>디코더</a:t>
             </a:r>
+            <a:endParaRPr lang="en-US" altLang="ko-KR" dirty="0" smtClean="0"/>
+          </a:p>
+          <a:p>
+            <a:pPr marL="0" marR="0" indent="0" algn="l" defTabSz="914400" rtl="0" eaLnBrk="1" fontAlgn="auto" latinLnBrk="1" hangingPunct="1">
+              <a:lnSpc>
+                <a:spcPct val="100000"/>
+              </a:lnSpc>
+              <a:spcBef>
+                <a:spcPts val="0"/>
+              </a:spcBef>
+              <a:spcAft>
+                <a:spcPts val="0"/>
+              </a:spcAft>
+              <a:buClrTx/>
+              <a:buSzTx/>
+              <a:buFontTx/>
+              <a:buNone/>
+              <a:tabLst/>
+              <a:defRPr/>
+            </a:pPr>
+            <a:r>
+              <a:rPr lang="en-US" altLang="ko-KR" sz="1200" b="1" i="0" kern="1200" dirty="0" smtClean="0">
+                <a:solidFill>
+                  <a:schemeClr val="tx1"/>
+                </a:solidFill>
+                <a:effectLst/>
+                <a:latin typeface="+mn-lt"/>
+                <a:ea typeface="+mn-ea"/>
+                <a:cs typeface="+mn-cs"/>
+              </a:rPr>
+              <a:t>Semantic Image Segmentation with Deep Convolutional Nets, </a:t>
+            </a:r>
+            <a:r>
+              <a:rPr lang="en-US" altLang="ko-KR" sz="1200" b="1" i="0" kern="1200" dirty="0" err="1" smtClean="0">
+                <a:solidFill>
+                  <a:schemeClr val="tx1"/>
+                </a:solidFill>
+                <a:effectLst/>
+                <a:latin typeface="+mn-lt"/>
+                <a:ea typeface="+mn-ea"/>
+                <a:cs typeface="+mn-cs"/>
+              </a:rPr>
+              <a:t>Atrous</a:t>
+            </a:r>
+            <a:r>
+              <a:rPr lang="en-US" altLang="ko-KR" sz="1200" b="1" i="0" kern="1200" smtClean="0">
+                <a:solidFill>
+                  <a:schemeClr val="tx1"/>
+                </a:solidFill>
+                <a:effectLst/>
+                <a:latin typeface="+mn-lt"/>
+                <a:ea typeface="+mn-ea"/>
+                <a:cs typeface="+mn-cs"/>
+              </a:rPr>
+              <a:t> Convolution, and Fully Connected CRFs</a:t>
+            </a:r>
+            <a:endParaRPr lang="en-US" altLang="ko-KR" smtClean="0"/>
+          </a:p>
+          <a:p>
             <a:endParaRPr lang="en-US" altLang="ko-KR" dirty="0" smtClean="0"/>
           </a:p>
           <a:p>
@@ -2326,7 +2058,7 @@
                 </a:solidFill>
               </a:rPr>
               <a:pPr/>
-              <a:t>2020-02-06</a:t>
+              <a:t>2020-02-07</a:t>
             </a:fld>
             <a:endParaRPr lang="ko-KR" altLang="en-US">
               <a:solidFill>
@@ -2528,7 +2260,7 @@
                 </a:solidFill>
               </a:rPr>
               <a:pPr/>
-              <a:t>2020-02-06</a:t>
+              <a:t>2020-02-07</a:t>
             </a:fld>
             <a:endParaRPr lang="ko-KR" altLang="en-US">
               <a:solidFill>
@@ -2740,7 +2472,7 @@
                 </a:solidFill>
               </a:rPr>
               <a:pPr/>
-              <a:t>2020-02-06</a:t>
+              <a:t>2020-02-07</a:t>
             </a:fld>
             <a:endParaRPr lang="ko-KR" altLang="en-US">
               <a:solidFill>
@@ -2942,7 +2674,7 @@
                 </a:solidFill>
               </a:rPr>
               <a:pPr/>
-              <a:t>2020-02-06</a:t>
+              <a:t>2020-02-07</a:t>
             </a:fld>
             <a:endParaRPr lang="ko-KR" altLang="en-US">
               <a:solidFill>
@@ -3220,7 +2952,7 @@
                 </a:solidFill>
               </a:rPr>
               <a:pPr/>
-              <a:t>2020-02-06</a:t>
+              <a:t>2020-02-07</a:t>
             </a:fld>
             <a:endParaRPr lang="ko-KR" altLang="en-US">
               <a:solidFill>
@@ -3484,7 +3216,7 @@
                 </a:solidFill>
               </a:rPr>
               <a:pPr/>
-              <a:t>2020-02-06</a:t>
+              <a:t>2020-02-07</a:t>
             </a:fld>
             <a:endParaRPr lang="ko-KR" altLang="en-US">
               <a:solidFill>
@@ -3883,7 +3615,7 @@
                 </a:solidFill>
               </a:rPr>
               <a:pPr/>
-              <a:t>2020-02-06</a:t>
+              <a:t>2020-02-07</a:t>
             </a:fld>
             <a:endParaRPr lang="ko-KR" altLang="en-US">
               <a:solidFill>
@@ -4033,7 +3765,7 @@
                 </a:solidFill>
               </a:rPr>
               <a:pPr/>
-              <a:t>2020-02-06</a:t>
+              <a:t>2020-02-07</a:t>
             </a:fld>
             <a:endParaRPr lang="ko-KR" altLang="en-US">
               <a:solidFill>
@@ -4160,7 +3892,7 @@
                 </a:solidFill>
               </a:rPr>
               <a:pPr/>
-              <a:t>2020-02-06</a:t>
+              <a:t>2020-02-07</a:t>
             </a:fld>
             <a:endParaRPr lang="ko-KR" altLang="en-US">
               <a:solidFill>
@@ -4469,7 +4201,7 @@
                 </a:solidFill>
               </a:rPr>
               <a:pPr/>
-              <a:t>2020-02-06</a:t>
+              <a:t>2020-02-07</a:t>
             </a:fld>
             <a:endParaRPr lang="ko-KR" altLang="en-US">
               <a:solidFill>
@@ -4754,7 +4486,7 @@
                 </a:solidFill>
               </a:rPr>
               <a:pPr/>
-              <a:t>2020-02-06</a:t>
+              <a:t>2020-02-07</a:t>
             </a:fld>
             <a:endParaRPr lang="ko-KR" altLang="en-US">
               <a:solidFill>
@@ -4999,7 +4731,7 @@
                 </a:solidFill>
               </a:rPr>
               <a:pPr/>
-              <a:t>2020-02-06</a:t>
+              <a:t>2020-02-07</a:t>
             </a:fld>
             <a:endParaRPr lang="ko-KR" altLang="en-US">
               <a:solidFill>
@@ -5499,7 +5231,7 @@
               <a:defRPr/>
             </a:pPr>
             <a:r>
-              <a:rPr lang="en-US" altLang="ko-KR" sz="1600" kern="0" dirty="0" err="1" smtClean="0">
+              <a:rPr lang="en-US" altLang="ko-KR" sz="1600" kern="0" dirty="0">
                 <a:solidFill>
                   <a:prstClr val="black">
                     <a:lumMod val="75000"/>
@@ -5507,18 +5239,7 @@
                   </a:prstClr>
                 </a:solidFill>
               </a:rPr>
-              <a:t>Sementic</a:t>
-            </a:r>
-            <a:r>
-              <a:rPr lang="en-US" altLang="ko-KR" sz="1600" kern="0" dirty="0" smtClean="0">
-                <a:solidFill>
-                  <a:prstClr val="black">
-                    <a:lumMod val="75000"/>
-                    <a:lumOff val="25000"/>
-                  </a:prstClr>
-                </a:solidFill>
-              </a:rPr>
-              <a:t> segmentation</a:t>
+              <a:t>Semantic segmentation</a:t>
             </a:r>
             <a:endParaRPr lang="ko-KR" altLang="en-US" sz="4400" kern="0" dirty="0">
               <a:solidFill>
@@ -6174,20 +5895,20 @@
               <a:defRPr/>
             </a:pPr>
             <a:r>
-              <a:rPr lang="en-US" altLang="ko-KR" sz="2800" b="1" i="1" kern="0" dirty="0" err="1" smtClean="0">
-                <a:solidFill>
-                  <a:prstClr val="white"/>
-                </a:solidFill>
-              </a:rPr>
-              <a:t>Sementic</a:t>
-            </a:r>
-            <a:r>
               <a:rPr lang="en-US" altLang="ko-KR" sz="2800" b="1" i="1" kern="0" dirty="0" smtClean="0">
                 <a:solidFill>
                   <a:prstClr val="white"/>
                 </a:solidFill>
               </a:rPr>
-              <a:t> Segmentation</a:t>
+              <a:t>Semantic </a:t>
+            </a:r>
+            <a:r>
+              <a:rPr lang="en-US" altLang="ko-KR" sz="2800" b="1" i="1" kern="0" dirty="0" smtClean="0">
+                <a:solidFill>
+                  <a:prstClr val="white"/>
+                </a:solidFill>
+              </a:rPr>
+              <a:t>Segmentation</a:t>
             </a:r>
             <a:endParaRPr lang="ko-KR" altLang="en-US" sz="4000" kern="0" dirty="0">
               <a:solidFill>
@@ -7490,82 +7211,75 @@
       </p:sp>
       <p:pic>
         <p:nvPicPr>
-          <p:cNvPr id="3074" name="Picture 2" descr="https://miro.medium.com/max/1574/1*cJ3oLJ2s8W_sCPmTuMgIlw.png"/>
+          <p:cNvPr id="3" name="그림 2"/>
           <p:cNvPicPr>
-            <a:picLocks noChangeAspect="1" noChangeArrowheads="1"/>
+            <a:picLocks noChangeAspect="1"/>
           </p:cNvPicPr>
           <p:nvPr/>
         </p:nvPicPr>
-        <p:blipFill rotWithShape="1">
-          <a:blip r:embed="rId3">
-            <a:extLst>
-              <a:ext uri="{28A0092B-C50C-407E-A947-70E740481C1C}">
-                <a14:useLocalDpi xmlns:a14="http://schemas.microsoft.com/office/drawing/2010/main" val="0"/>
-              </a:ext>
-            </a:extLst>
-          </a:blip>
-          <a:srcRect l="47795"/>
-          <a:stretch/>
+        <p:blipFill>
+          <a:blip r:embed="rId3"/>
+          <a:stretch>
+            <a:fillRect/>
+          </a:stretch>
         </p:blipFill>
-        <p:spPr bwMode="auto">
+        <p:spPr>
           <a:xfrm>
-            <a:off x="6027107" y="1604244"/>
-            <a:ext cx="5660381" cy="4601571"/>
+            <a:off x="2495605" y="2133751"/>
+            <a:ext cx="7763918" cy="3160852"/>
+          </a:xfrm>
+          <a:prstGeom prst="rect">
+            <a:avLst/>
+          </a:prstGeom>
+        </p:spPr>
+      </p:pic>
+      <p:sp>
+        <p:nvSpPr>
+          <p:cNvPr id="5" name="TextBox 4"/>
+          <p:cNvSpPr txBox="1"/>
+          <p:nvPr/>
+        </p:nvSpPr>
+        <p:spPr>
+          <a:xfrm>
+            <a:off x="1878496" y="5575506"/>
+            <a:ext cx="7811754" cy="461665"/>
           </a:xfrm>
           <a:prstGeom prst="rect">
             <a:avLst/>
           </a:prstGeom>
           <a:noFill/>
-          <a:extLst>
-            <a:ext uri="{909E8E84-426E-40DD-AFC4-6F175D3DCCD1}">
-              <a14:hiddenFill xmlns:a14="http://schemas.microsoft.com/office/drawing/2010/main">
-                <a:solidFill>
-                  <a:srgbClr val="FFFFFF"/>
-                </a:solidFill>
-              </a14:hiddenFill>
-            </a:ext>
-          </a:extLst>
         </p:spPr>
-      </p:pic>
-      <p:pic>
-        <p:nvPicPr>
-          <p:cNvPr id="9" name="Picture 2" descr="https://miro.medium.com/max/1574/1*cJ3oLJ2s8W_sCPmTuMgIlw.png"/>
-          <p:cNvPicPr>
-            <a:picLocks noChangeAspect="1" noChangeArrowheads="1"/>
-          </p:cNvPicPr>
-          <p:nvPr/>
-        </p:nvPicPr>
-        <p:blipFill rotWithShape="1">
-          <a:blip r:embed="rId3">
-            <a:extLst>
-              <a:ext uri="{28A0092B-C50C-407E-A947-70E740481C1C}">
-                <a14:useLocalDpi xmlns:a14="http://schemas.microsoft.com/office/drawing/2010/main" val="0"/>
-              </a:ext>
-            </a:extLst>
-          </a:blip>
-          <a:srcRect r="52455"/>
-          <a:stretch/>
-        </p:blipFill>
-        <p:spPr bwMode="auto">
-          <a:xfrm>
-            <a:off x="531713" y="1604245"/>
-            <a:ext cx="5155104" cy="4601571"/>
-          </a:xfrm>
-          <a:prstGeom prst="rect">
-            <a:avLst/>
-          </a:prstGeom>
-          <a:noFill/>
-          <a:extLst>
-            <a:ext uri="{909E8E84-426E-40DD-AFC4-6F175D3DCCD1}">
-              <a14:hiddenFill xmlns:a14="http://schemas.microsoft.com/office/drawing/2010/main">
-                <a:solidFill>
-                  <a:srgbClr val="FFFFFF"/>
-                </a:solidFill>
-              </a14:hiddenFill>
-            </a:ext>
-          </a:extLst>
-        </p:spPr>
-      </p:pic>
+        <p:txBody>
+          <a:bodyPr wrap="none" rtlCol="0">
+            <a:spAutoFit/>
+          </a:bodyPr>
+          <a:lstStyle/>
+          <a:p>
+            <a:r>
+              <a:rPr lang="ko-KR" altLang="en-US" sz="2400" dirty="0" smtClean="0">
+                <a:latin typeface="Cambria" panose="02040503050406030204" pitchFamily="18" charset="0"/>
+              </a:rPr>
+              <a:t>입력 영상으로부터 </a:t>
+            </a:r>
+            <a:r>
+              <a:rPr lang="en-US" altLang="ko-KR" sz="2400" dirty="0" smtClean="0">
+                <a:latin typeface="Cambria" panose="02040503050406030204" pitchFamily="18" charset="0"/>
+                <a:ea typeface="Cambria" panose="02040503050406030204" pitchFamily="18" charset="0"/>
+              </a:rPr>
+              <a:t>semantic segmentation</a:t>
+            </a:r>
+            <a:r>
+              <a:rPr lang="ko-KR" altLang="en-US" sz="2400" dirty="0" smtClean="0">
+                <a:latin typeface="Cambria" panose="02040503050406030204" pitchFamily="18" charset="0"/>
+              </a:rPr>
+              <a:t>을 수행한 예시</a:t>
+            </a:r>
+            <a:endParaRPr lang="ko-KR" altLang="en-US" sz="2400" dirty="0">
+              <a:latin typeface="Cambria" panose="02040503050406030204" pitchFamily="18" charset="0"/>
+            </a:endParaRPr>
+          </a:p>
+        </p:txBody>
+      </p:sp>
     </p:spTree>
     <p:extLst>
       <p:ext uri="{BB962C8B-B14F-4D97-AF65-F5344CB8AC3E}">
@@ -7793,20 +7507,12 @@
               <a:defRPr/>
             </a:pPr>
             <a:r>
-              <a:rPr lang="en-US" altLang="ko-KR" sz="2800" b="1" i="1" kern="0" dirty="0" err="1">
-                <a:solidFill>
-                  <a:prstClr val="white"/>
-                </a:solidFill>
-              </a:rPr>
-              <a:t>Sementic</a:t>
-            </a:r>
-            <a:r>
               <a:rPr lang="en-US" altLang="ko-KR" sz="2800" b="1" i="1" kern="0" dirty="0">
                 <a:solidFill>
                   <a:prstClr val="white"/>
                 </a:solidFill>
               </a:rPr>
-              <a:t> Segmentation</a:t>
+              <a:t>Semantic Segmentation</a:t>
             </a:r>
             <a:endParaRPr lang="ko-KR" altLang="en-US" sz="4000" kern="0" dirty="0">
               <a:solidFill>
